--- a/wip/recette_services/illus.pptx
+++ b/wip/recette_services/illus.pptx
@@ -6,7 +6,8 @@
   </p:sldMasterIdLst>
   <p:sldIdLst>
     <p:sldId id="271" r:id="rId2"/>
-    <p:sldId id="272" r:id="rId3"/>
+    <p:sldId id="273" r:id="rId3"/>
+    <p:sldId id="272" r:id="rId4"/>
   </p:sldIdLst>
   <p:sldSz cx="9144000" cy="6858000" type="screen4x3"/>
   <p:notesSz cx="6858000" cy="9144000"/>
@@ -12183,14 +12184,6 @@
               </a:rPr>
               <a:t>Version N / N+1</a:t>
             </a:r>
-            <a:endParaRPr lang="fr-FR" sz="1600" dirty="0" smtClean="0">
-              <a:solidFill>
-                <a:schemeClr val="tx2">
-                  <a:lumMod val="65000"/>
-                  <a:lumOff val="35000"/>
-                </a:schemeClr>
-              </a:solidFill>
-            </a:endParaRPr>
           </a:p>
         </p:txBody>
       </p:sp>
@@ -12226,13 +12219,6 @@
               </a:rPr>
               <a:t>Application A</a:t>
             </a:r>
-            <a:endParaRPr lang="fr-FR" sz="1600" b="1" dirty="0" smtClean="0">
-              <a:solidFill>
-                <a:schemeClr val="accent1">
-                  <a:lumMod val="50000"/>
-                </a:schemeClr>
-              </a:solidFill>
-            </a:endParaRPr>
           </a:p>
         </p:txBody>
       </p:sp>
@@ -12346,14 +12332,6 @@
               </a:rPr>
               <a:t>Version N / N+1</a:t>
             </a:r>
-            <a:endParaRPr lang="fr-FR" sz="1600" dirty="0" smtClean="0">
-              <a:solidFill>
-                <a:schemeClr val="tx2">
-                  <a:lumMod val="65000"/>
-                  <a:lumOff val="35000"/>
-                </a:schemeClr>
-              </a:solidFill>
-            </a:endParaRPr>
           </a:p>
         </p:txBody>
       </p:sp>
@@ -12387,11 +12365,6 @@
               </a:rPr>
               <a:t>Application B</a:t>
             </a:r>
-            <a:endParaRPr lang="fr-FR" sz="1600" b="1" dirty="0" smtClean="0">
-              <a:solidFill>
-                <a:schemeClr val="accent4"/>
-              </a:solidFill>
-            </a:endParaRPr>
           </a:p>
         </p:txBody>
       </p:sp>
@@ -12505,14 +12478,6 @@
               </a:rPr>
               <a:t>Version N / N+1</a:t>
             </a:r>
-            <a:endParaRPr lang="fr-FR" sz="1600" dirty="0" smtClean="0">
-              <a:solidFill>
-                <a:schemeClr val="tx2">
-                  <a:lumMod val="65000"/>
-                  <a:lumOff val="35000"/>
-                </a:schemeClr>
-              </a:solidFill>
-            </a:endParaRPr>
           </a:p>
         </p:txBody>
       </p:sp>
@@ -12546,11 +12511,6 @@
               </a:rPr>
               <a:t>Application C</a:t>
             </a:r>
-            <a:endParaRPr lang="fr-FR" sz="1600" b="1" dirty="0" smtClean="0">
-              <a:solidFill>
-                <a:schemeClr val="accent3"/>
-              </a:solidFill>
-            </a:endParaRPr>
           </a:p>
         </p:txBody>
       </p:sp>
@@ -12945,6 +12905,2176 @@
           <a:chExt cx="0" cy="0"/>
         </a:xfrm>
       </p:grpSpPr>
+      <p:grpSp>
+        <p:nvGrpSpPr>
+          <p:cNvPr id="4" name="Grouper 3"/>
+          <p:cNvGrpSpPr/>
+          <p:nvPr/>
+        </p:nvGrpSpPr>
+        <p:grpSpPr>
+          <a:xfrm>
+            <a:off x="5355987" y="2441564"/>
+            <a:ext cx="1341088" cy="2555273"/>
+            <a:chOff x="306534" y="2107241"/>
+            <a:chExt cx="1341088" cy="2555273"/>
+          </a:xfrm>
+        </p:grpSpPr>
+        <p:sp>
+          <p:nvSpPr>
+            <p:cNvPr id="66" name="Rectangle à coins arrondis 65"/>
+            <p:cNvSpPr/>
+            <p:nvPr/>
+          </p:nvSpPr>
+          <p:spPr>
+            <a:xfrm>
+              <a:off x="306534" y="2107241"/>
+              <a:ext cx="1326962" cy="1105820"/>
+            </a:xfrm>
+            <a:prstGeom prst="roundRect">
+              <a:avLst/>
+            </a:prstGeom>
+            <a:ln>
+              <a:solidFill>
+                <a:schemeClr val="accent1">
+                  <a:lumMod val="50000"/>
+                </a:schemeClr>
+              </a:solidFill>
+            </a:ln>
+          </p:spPr>
+          <p:style>
+            <a:lnRef idx="2">
+              <a:schemeClr val="accent6"/>
+            </a:lnRef>
+            <a:fillRef idx="1">
+              <a:schemeClr val="lt1"/>
+            </a:fillRef>
+            <a:effectRef idx="0">
+              <a:schemeClr val="accent6"/>
+            </a:effectRef>
+            <a:fontRef idx="minor">
+              <a:schemeClr val="dk1"/>
+            </a:fontRef>
+          </p:style>
+          <p:txBody>
+            <a:bodyPr anchor="ctr" anchorCtr="0"/>
+            <a:lstStyle/>
+            <a:p>
+              <a:pPr algn="r"/>
+              <a:endParaRPr lang="fr-FR" sz="1400" b="1" dirty="0">
+                <a:solidFill>
+                  <a:schemeClr val="accent1"/>
+                </a:solidFill>
+              </a:endParaRPr>
+            </a:p>
+          </p:txBody>
+        </p:sp>
+        <p:pic>
+          <p:nvPicPr>
+            <p:cNvPr id="67" name="Image 66" descr="UC-S2_Pos.png"/>
+            <p:cNvPicPr>
+              <a:picLocks noChangeAspect="1"/>
+            </p:cNvPicPr>
+            <p:nvPr/>
+          </p:nvPicPr>
+          <p:blipFill>
+            <a:blip r:embed="rId2">
+              <a:extLst>
+                <a:ext uri="{28A0092B-C50C-407E-A947-70E740481C1C}">
+                  <a14:useLocalDpi xmlns:a14="http://schemas.microsoft.com/office/drawing/2010/main" val="0"/>
+                </a:ext>
+              </a:extLst>
+            </a:blip>
+            <a:stretch>
+              <a:fillRect/>
+            </a:stretch>
+          </p:blipFill>
+          <p:spPr>
+            <a:xfrm>
+              <a:off x="423823" y="2225160"/>
+              <a:ext cx="372869" cy="787459"/>
+            </a:xfrm>
+            <a:prstGeom prst="rect">
+              <a:avLst/>
+            </a:prstGeom>
+          </p:spPr>
+        </p:pic>
+        <p:sp>
+          <p:nvSpPr>
+            <p:cNvPr id="2" name="ZoneTexte 1"/>
+            <p:cNvSpPr txBox="1"/>
+            <p:nvPr/>
+          </p:nvSpPr>
+          <p:spPr>
+            <a:xfrm>
+              <a:off x="858924" y="2757389"/>
+              <a:ext cx="566782" cy="338554"/>
+            </a:xfrm>
+            <a:prstGeom prst="rect">
+              <a:avLst/>
+            </a:prstGeom>
+            <a:noFill/>
+          </p:spPr>
+          <p:txBody>
+            <a:bodyPr wrap="none" rtlCol="0">
+              <a:spAutoFit/>
+            </a:bodyPr>
+            <a:lstStyle/>
+            <a:p>
+              <a:r>
+                <a:rPr lang="fr-FR" sz="1600" dirty="0" smtClean="0">
+                  <a:solidFill>
+                    <a:schemeClr val="tx2">
+                      <a:lumMod val="65000"/>
+                      <a:lumOff val="35000"/>
+                    </a:schemeClr>
+                  </a:solidFill>
+                </a:rPr>
+                <a:t>N+1</a:t>
+              </a:r>
+            </a:p>
+          </p:txBody>
+        </p:sp>
+        <p:sp>
+          <p:nvSpPr>
+            <p:cNvPr id="73" name="ZoneTexte 72"/>
+            <p:cNvSpPr txBox="1"/>
+            <p:nvPr/>
+          </p:nvSpPr>
+          <p:spPr>
+            <a:xfrm>
+              <a:off x="858924" y="2481771"/>
+              <a:ext cx="774571" cy="338554"/>
+            </a:xfrm>
+            <a:prstGeom prst="rect">
+              <a:avLst/>
+            </a:prstGeom>
+            <a:noFill/>
+          </p:spPr>
+          <p:txBody>
+            <a:bodyPr wrap="none" rtlCol="0">
+              <a:spAutoFit/>
+            </a:bodyPr>
+            <a:lstStyle/>
+            <a:p>
+              <a:r>
+                <a:rPr lang="fr-FR" sz="1600" b="1" dirty="0" smtClean="0">
+                  <a:solidFill>
+                    <a:schemeClr val="accent1">
+                      <a:lumMod val="50000"/>
+                    </a:schemeClr>
+                  </a:solidFill>
+                </a:rPr>
+                <a:t>App A</a:t>
+              </a:r>
+            </a:p>
+          </p:txBody>
+        </p:sp>
+        <p:sp>
+          <p:nvSpPr>
+            <p:cNvPr id="75" name="Rectangle à coins arrondis 74"/>
+            <p:cNvSpPr/>
+            <p:nvPr/>
+          </p:nvSpPr>
+          <p:spPr>
+            <a:xfrm>
+              <a:off x="306534" y="3620967"/>
+              <a:ext cx="1326962" cy="1041547"/>
+            </a:xfrm>
+            <a:prstGeom prst="roundRect">
+              <a:avLst/>
+            </a:prstGeom>
+            <a:ln>
+              <a:solidFill>
+                <a:schemeClr val="accent4"/>
+              </a:solidFill>
+            </a:ln>
+          </p:spPr>
+          <p:style>
+            <a:lnRef idx="2">
+              <a:schemeClr val="accent6"/>
+            </a:lnRef>
+            <a:fillRef idx="1">
+              <a:schemeClr val="lt1"/>
+            </a:fillRef>
+            <a:effectRef idx="0">
+              <a:schemeClr val="accent6"/>
+            </a:effectRef>
+            <a:fontRef idx="minor">
+              <a:schemeClr val="dk1"/>
+            </a:fontRef>
+          </p:style>
+          <p:txBody>
+            <a:bodyPr anchor="ctr" anchorCtr="0"/>
+            <a:lstStyle/>
+            <a:p>
+              <a:pPr algn="r"/>
+              <a:endParaRPr lang="fr-FR" sz="1400" b="1" dirty="0">
+                <a:solidFill>
+                  <a:schemeClr val="accent4"/>
+                </a:solidFill>
+              </a:endParaRPr>
+            </a:p>
+          </p:txBody>
+        </p:sp>
+        <p:pic>
+          <p:nvPicPr>
+            <p:cNvPr id="76" name="Image 75" descr="UC-S2_Pos.png"/>
+            <p:cNvPicPr>
+              <a:picLocks noChangeAspect="1"/>
+            </p:cNvPicPr>
+            <p:nvPr/>
+          </p:nvPicPr>
+          <p:blipFill>
+            <a:blip r:embed="rId2">
+              <a:extLst>
+                <a:ext uri="{28A0092B-C50C-407E-A947-70E740481C1C}">
+                  <a14:useLocalDpi xmlns:a14="http://schemas.microsoft.com/office/drawing/2010/main" val="0"/>
+                </a:ext>
+              </a:extLst>
+            </a:blip>
+            <a:stretch>
+              <a:fillRect/>
+            </a:stretch>
+          </p:blipFill>
+          <p:spPr>
+            <a:xfrm>
+              <a:off x="423823" y="3727930"/>
+              <a:ext cx="372869" cy="787459"/>
+            </a:xfrm>
+            <a:prstGeom prst="rect">
+              <a:avLst/>
+            </a:prstGeom>
+          </p:spPr>
+        </p:pic>
+        <p:sp>
+          <p:nvSpPr>
+            <p:cNvPr id="77" name="ZoneTexte 76"/>
+            <p:cNvSpPr txBox="1"/>
+            <p:nvPr/>
+          </p:nvSpPr>
+          <p:spPr>
+            <a:xfrm>
+              <a:off x="858924" y="4260159"/>
+              <a:ext cx="566782" cy="338554"/>
+            </a:xfrm>
+            <a:prstGeom prst="rect">
+              <a:avLst/>
+            </a:prstGeom>
+            <a:noFill/>
+          </p:spPr>
+          <p:txBody>
+            <a:bodyPr wrap="none" rtlCol="0">
+              <a:spAutoFit/>
+            </a:bodyPr>
+            <a:lstStyle/>
+            <a:p>
+              <a:r>
+                <a:rPr lang="fr-FR" sz="1600" dirty="0" smtClean="0">
+                  <a:solidFill>
+                    <a:schemeClr val="tx2">
+                      <a:lumMod val="65000"/>
+                      <a:lumOff val="35000"/>
+                    </a:schemeClr>
+                  </a:solidFill>
+                </a:rPr>
+                <a:t>N+1</a:t>
+              </a:r>
+            </a:p>
+          </p:txBody>
+        </p:sp>
+        <p:sp>
+          <p:nvSpPr>
+            <p:cNvPr id="78" name="ZoneTexte 77"/>
+            <p:cNvSpPr txBox="1"/>
+            <p:nvPr/>
+          </p:nvSpPr>
+          <p:spPr>
+            <a:xfrm>
+              <a:off x="858924" y="3984541"/>
+              <a:ext cx="788698" cy="338554"/>
+            </a:xfrm>
+            <a:prstGeom prst="rect">
+              <a:avLst/>
+            </a:prstGeom>
+            <a:noFill/>
+          </p:spPr>
+          <p:txBody>
+            <a:bodyPr wrap="none" rtlCol="0">
+              <a:spAutoFit/>
+            </a:bodyPr>
+            <a:lstStyle/>
+            <a:p>
+              <a:r>
+                <a:rPr lang="fr-FR" sz="1600" b="1" dirty="0" smtClean="0">
+                  <a:solidFill>
+                    <a:schemeClr val="accent4"/>
+                  </a:solidFill>
+                </a:rPr>
+                <a:t>App B</a:t>
+              </a:r>
+            </a:p>
+          </p:txBody>
+        </p:sp>
+        <p:cxnSp>
+          <p:nvCxnSpPr>
+            <p:cNvPr id="8" name="Connecteur droit avec flèche 7"/>
+            <p:cNvCxnSpPr>
+              <a:stCxn id="76" idx="0"/>
+              <a:endCxn id="67" idx="2"/>
+            </p:cNvCxnSpPr>
+            <p:nvPr/>
+          </p:nvCxnSpPr>
+          <p:spPr bwMode="auto">
+            <a:xfrm flipV="1">
+              <a:off x="610258" y="3012619"/>
+              <a:ext cx="0" cy="715311"/>
+            </a:xfrm>
+            <a:prstGeom prst="straightConnector1">
+              <a:avLst/>
+            </a:prstGeom>
+            <a:ln w="28575" cmpd="sng">
+              <a:solidFill>
+                <a:schemeClr val="tx2"/>
+              </a:solidFill>
+              <a:headEnd type="none"/>
+              <a:tailEnd type="arrow"/>
+            </a:ln>
+          </p:spPr>
+          <p:style>
+            <a:lnRef idx="2">
+              <a:schemeClr val="accent6"/>
+            </a:lnRef>
+            <a:fillRef idx="1">
+              <a:schemeClr val="lt1"/>
+            </a:fillRef>
+            <a:effectRef idx="0">
+              <a:schemeClr val="accent6"/>
+            </a:effectRef>
+            <a:fontRef idx="minor">
+              <a:schemeClr val="dk1"/>
+            </a:fontRef>
+          </p:style>
+        </p:cxnSp>
+      </p:grpSp>
+      <p:sp>
+        <p:nvSpPr>
+          <p:cNvPr id="138" name="ZoneTexte 137"/>
+          <p:cNvSpPr txBox="1"/>
+          <p:nvPr/>
+        </p:nvSpPr>
+        <p:spPr>
+          <a:xfrm>
+            <a:off x="257286" y="1839025"/>
+            <a:ext cx="1523499" cy="492443"/>
+          </a:xfrm>
+          <a:prstGeom prst="rect">
+            <a:avLst/>
+          </a:prstGeom>
+          <a:noFill/>
+        </p:spPr>
+        <p:txBody>
+          <a:bodyPr wrap="none" rtlCol="0">
+            <a:spAutoFit/>
+          </a:bodyPr>
+          <a:lstStyle>
+            <a:defPPr>
+              <a:defRPr lang="fr-FR"/>
+            </a:defPPr>
+            <a:lvl1pPr>
+              <a:defRPr sz="1600">
+                <a:solidFill>
+                  <a:schemeClr val="tx2"/>
+                </a:solidFill>
+              </a:defRPr>
+            </a:lvl1pPr>
+          </a:lstStyle>
+          <a:p>
+            <a:pPr algn="ctr"/>
+            <a:r>
+              <a:rPr lang="fr-FR" sz="1400" dirty="0"/>
+              <a:t>Étape 1</a:t>
+            </a:r>
+            <a:endParaRPr lang="fr-FR" sz="1400" dirty="0" smtClean="0"/>
+          </a:p>
+          <a:p>
+            <a:pPr algn="ctr"/>
+            <a:r>
+              <a:rPr lang="fr-FR" sz="1200" dirty="0" smtClean="0"/>
+              <a:t>Version N de A et B</a:t>
+            </a:r>
+            <a:endParaRPr lang="fr-FR" sz="1200" dirty="0"/>
+          </a:p>
+        </p:txBody>
+      </p:sp>
+      <p:cxnSp>
+        <p:nvCxnSpPr>
+          <p:cNvPr id="139" name="Connecteur droit avec flèche 138"/>
+          <p:cNvCxnSpPr/>
+          <p:nvPr/>
+        </p:nvCxnSpPr>
+        <p:spPr bwMode="auto">
+          <a:xfrm flipV="1">
+            <a:off x="1816207" y="1882268"/>
+            <a:ext cx="0" cy="3252677"/>
+          </a:xfrm>
+          <a:prstGeom prst="straightConnector1">
+            <a:avLst/>
+          </a:prstGeom>
+          <a:ln w="28575" cmpd="sng">
+            <a:solidFill>
+              <a:schemeClr val="tx2"/>
+            </a:solidFill>
+            <a:headEnd type="none"/>
+            <a:tailEnd type="none"/>
+          </a:ln>
+        </p:spPr>
+        <p:style>
+          <a:lnRef idx="2">
+            <a:schemeClr val="accent6"/>
+          </a:lnRef>
+          <a:fillRef idx="1">
+            <a:schemeClr val="lt1"/>
+          </a:fillRef>
+          <a:effectRef idx="0">
+            <a:schemeClr val="accent6"/>
+          </a:effectRef>
+          <a:fontRef idx="minor">
+            <a:schemeClr val="dk1"/>
+          </a:fontRef>
+        </p:style>
+      </p:cxnSp>
+      <p:cxnSp>
+        <p:nvCxnSpPr>
+          <p:cNvPr id="141" name="Connecteur droit avec flèche 140"/>
+          <p:cNvCxnSpPr/>
+          <p:nvPr/>
+        </p:nvCxnSpPr>
+        <p:spPr bwMode="auto">
+          <a:xfrm flipV="1">
+            <a:off x="6846742" y="1882268"/>
+            <a:ext cx="0" cy="3252677"/>
+          </a:xfrm>
+          <a:prstGeom prst="straightConnector1">
+            <a:avLst/>
+          </a:prstGeom>
+          <a:ln w="28575" cmpd="sng">
+            <a:solidFill>
+              <a:schemeClr val="tx2"/>
+            </a:solidFill>
+            <a:headEnd type="none"/>
+            <a:tailEnd type="none"/>
+          </a:ln>
+        </p:spPr>
+        <p:style>
+          <a:lnRef idx="2">
+            <a:schemeClr val="accent6"/>
+          </a:lnRef>
+          <a:fillRef idx="1">
+            <a:schemeClr val="lt1"/>
+          </a:fillRef>
+          <a:effectRef idx="0">
+            <a:schemeClr val="accent6"/>
+          </a:effectRef>
+          <a:fontRef idx="minor">
+            <a:schemeClr val="dk1"/>
+          </a:fontRef>
+        </p:style>
+      </p:cxnSp>
+      <p:grpSp>
+        <p:nvGrpSpPr>
+          <p:cNvPr id="144" name="Grouper 143"/>
+          <p:cNvGrpSpPr/>
+          <p:nvPr/>
+        </p:nvGrpSpPr>
+        <p:grpSpPr>
+          <a:xfrm>
+            <a:off x="7039401" y="2441564"/>
+            <a:ext cx="1341088" cy="2555273"/>
+            <a:chOff x="306534" y="2107241"/>
+            <a:chExt cx="1341088" cy="2555273"/>
+          </a:xfrm>
+        </p:grpSpPr>
+        <p:sp>
+          <p:nvSpPr>
+            <p:cNvPr id="145" name="Rectangle à coins arrondis 144"/>
+            <p:cNvSpPr/>
+            <p:nvPr/>
+          </p:nvSpPr>
+          <p:spPr>
+            <a:xfrm>
+              <a:off x="306534" y="2107241"/>
+              <a:ext cx="1326962" cy="1105820"/>
+            </a:xfrm>
+            <a:prstGeom prst="roundRect">
+              <a:avLst/>
+            </a:prstGeom>
+            <a:ln>
+              <a:solidFill>
+                <a:schemeClr val="accent1">
+                  <a:lumMod val="50000"/>
+                </a:schemeClr>
+              </a:solidFill>
+            </a:ln>
+          </p:spPr>
+          <p:style>
+            <a:lnRef idx="2">
+              <a:schemeClr val="accent6"/>
+            </a:lnRef>
+            <a:fillRef idx="1">
+              <a:schemeClr val="lt1"/>
+            </a:fillRef>
+            <a:effectRef idx="0">
+              <a:schemeClr val="accent6"/>
+            </a:effectRef>
+            <a:fontRef idx="minor">
+              <a:schemeClr val="dk1"/>
+            </a:fontRef>
+          </p:style>
+          <p:txBody>
+            <a:bodyPr anchor="ctr" anchorCtr="0"/>
+            <a:lstStyle/>
+            <a:p>
+              <a:pPr algn="r"/>
+              <a:endParaRPr lang="fr-FR" sz="1400" b="1" dirty="0">
+                <a:solidFill>
+                  <a:schemeClr val="accent1"/>
+                </a:solidFill>
+              </a:endParaRPr>
+            </a:p>
+          </p:txBody>
+        </p:sp>
+        <p:pic>
+          <p:nvPicPr>
+            <p:cNvPr id="146" name="Image 145" descr="UC-S2_Pos.png"/>
+            <p:cNvPicPr>
+              <a:picLocks noChangeAspect="1"/>
+            </p:cNvPicPr>
+            <p:nvPr/>
+          </p:nvPicPr>
+          <p:blipFill>
+            <a:blip r:embed="rId2">
+              <a:extLst>
+                <a:ext uri="{28A0092B-C50C-407E-A947-70E740481C1C}">
+                  <a14:useLocalDpi xmlns:a14="http://schemas.microsoft.com/office/drawing/2010/main" val="0"/>
+                </a:ext>
+              </a:extLst>
+            </a:blip>
+            <a:stretch>
+              <a:fillRect/>
+            </a:stretch>
+          </p:blipFill>
+          <p:spPr>
+            <a:xfrm>
+              <a:off x="423823" y="2225160"/>
+              <a:ext cx="372869" cy="787459"/>
+            </a:xfrm>
+            <a:prstGeom prst="rect">
+              <a:avLst/>
+            </a:prstGeom>
+          </p:spPr>
+        </p:pic>
+        <p:sp>
+          <p:nvSpPr>
+            <p:cNvPr id="147" name="ZoneTexte 146"/>
+            <p:cNvSpPr txBox="1"/>
+            <p:nvPr/>
+          </p:nvSpPr>
+          <p:spPr>
+            <a:xfrm>
+              <a:off x="858924" y="2757389"/>
+              <a:ext cx="332844" cy="338554"/>
+            </a:xfrm>
+            <a:prstGeom prst="rect">
+              <a:avLst/>
+            </a:prstGeom>
+            <a:noFill/>
+          </p:spPr>
+          <p:txBody>
+            <a:bodyPr wrap="none" rtlCol="0">
+              <a:spAutoFit/>
+            </a:bodyPr>
+            <a:lstStyle/>
+            <a:p>
+              <a:r>
+                <a:rPr lang="fr-FR" sz="1600" dirty="0" smtClean="0">
+                  <a:solidFill>
+                    <a:schemeClr val="tx2">
+                      <a:lumMod val="65000"/>
+                      <a:lumOff val="35000"/>
+                    </a:schemeClr>
+                  </a:solidFill>
+                </a:rPr>
+                <a:t>N</a:t>
+              </a:r>
+            </a:p>
+          </p:txBody>
+        </p:sp>
+        <p:sp>
+          <p:nvSpPr>
+            <p:cNvPr id="148" name="ZoneTexte 147"/>
+            <p:cNvSpPr txBox="1"/>
+            <p:nvPr/>
+          </p:nvSpPr>
+          <p:spPr>
+            <a:xfrm>
+              <a:off x="858924" y="2481771"/>
+              <a:ext cx="774571" cy="338554"/>
+            </a:xfrm>
+            <a:prstGeom prst="rect">
+              <a:avLst/>
+            </a:prstGeom>
+            <a:noFill/>
+          </p:spPr>
+          <p:txBody>
+            <a:bodyPr wrap="none" rtlCol="0">
+              <a:spAutoFit/>
+            </a:bodyPr>
+            <a:lstStyle/>
+            <a:p>
+              <a:r>
+                <a:rPr lang="fr-FR" sz="1600" b="1" dirty="0" smtClean="0">
+                  <a:solidFill>
+                    <a:schemeClr val="accent1">
+                      <a:lumMod val="50000"/>
+                    </a:schemeClr>
+                  </a:solidFill>
+                </a:rPr>
+                <a:t>App A</a:t>
+              </a:r>
+            </a:p>
+          </p:txBody>
+        </p:sp>
+        <p:sp>
+          <p:nvSpPr>
+            <p:cNvPr id="149" name="Rectangle à coins arrondis 148"/>
+            <p:cNvSpPr/>
+            <p:nvPr/>
+          </p:nvSpPr>
+          <p:spPr>
+            <a:xfrm>
+              <a:off x="306534" y="3620967"/>
+              <a:ext cx="1326962" cy="1041547"/>
+            </a:xfrm>
+            <a:prstGeom prst="roundRect">
+              <a:avLst/>
+            </a:prstGeom>
+            <a:ln>
+              <a:solidFill>
+                <a:schemeClr val="accent4"/>
+              </a:solidFill>
+            </a:ln>
+          </p:spPr>
+          <p:style>
+            <a:lnRef idx="2">
+              <a:schemeClr val="accent6"/>
+            </a:lnRef>
+            <a:fillRef idx="1">
+              <a:schemeClr val="lt1"/>
+            </a:fillRef>
+            <a:effectRef idx="0">
+              <a:schemeClr val="accent6"/>
+            </a:effectRef>
+            <a:fontRef idx="minor">
+              <a:schemeClr val="dk1"/>
+            </a:fontRef>
+          </p:style>
+          <p:txBody>
+            <a:bodyPr anchor="ctr" anchorCtr="0"/>
+            <a:lstStyle/>
+            <a:p>
+              <a:pPr algn="r"/>
+              <a:endParaRPr lang="fr-FR" sz="1400" b="1" dirty="0">
+                <a:solidFill>
+                  <a:schemeClr val="accent4"/>
+                </a:solidFill>
+              </a:endParaRPr>
+            </a:p>
+          </p:txBody>
+        </p:sp>
+        <p:pic>
+          <p:nvPicPr>
+            <p:cNvPr id="150" name="Image 149" descr="UC-S2_Pos.png"/>
+            <p:cNvPicPr>
+              <a:picLocks noChangeAspect="1"/>
+            </p:cNvPicPr>
+            <p:nvPr/>
+          </p:nvPicPr>
+          <p:blipFill>
+            <a:blip r:embed="rId2">
+              <a:extLst>
+                <a:ext uri="{28A0092B-C50C-407E-A947-70E740481C1C}">
+                  <a14:useLocalDpi xmlns:a14="http://schemas.microsoft.com/office/drawing/2010/main" val="0"/>
+                </a:ext>
+              </a:extLst>
+            </a:blip>
+            <a:stretch>
+              <a:fillRect/>
+            </a:stretch>
+          </p:blipFill>
+          <p:spPr>
+            <a:xfrm>
+              <a:off x="423823" y="3727930"/>
+              <a:ext cx="372869" cy="787459"/>
+            </a:xfrm>
+            <a:prstGeom prst="rect">
+              <a:avLst/>
+            </a:prstGeom>
+          </p:spPr>
+        </p:pic>
+        <p:sp>
+          <p:nvSpPr>
+            <p:cNvPr id="151" name="ZoneTexte 150"/>
+            <p:cNvSpPr txBox="1"/>
+            <p:nvPr/>
+          </p:nvSpPr>
+          <p:spPr>
+            <a:xfrm>
+              <a:off x="858924" y="4260159"/>
+              <a:ext cx="332844" cy="338554"/>
+            </a:xfrm>
+            <a:prstGeom prst="rect">
+              <a:avLst/>
+            </a:prstGeom>
+            <a:noFill/>
+          </p:spPr>
+          <p:txBody>
+            <a:bodyPr wrap="none" rtlCol="0">
+              <a:spAutoFit/>
+            </a:bodyPr>
+            <a:lstStyle/>
+            <a:p>
+              <a:r>
+                <a:rPr lang="fr-FR" sz="1600" dirty="0" smtClean="0">
+                  <a:solidFill>
+                    <a:schemeClr val="tx2">
+                      <a:lumMod val="65000"/>
+                      <a:lumOff val="35000"/>
+                    </a:schemeClr>
+                  </a:solidFill>
+                </a:rPr>
+                <a:t>N</a:t>
+              </a:r>
+            </a:p>
+          </p:txBody>
+        </p:sp>
+        <p:sp>
+          <p:nvSpPr>
+            <p:cNvPr id="152" name="ZoneTexte 151"/>
+            <p:cNvSpPr txBox="1"/>
+            <p:nvPr/>
+          </p:nvSpPr>
+          <p:spPr>
+            <a:xfrm>
+              <a:off x="858924" y="3984541"/>
+              <a:ext cx="788698" cy="338554"/>
+            </a:xfrm>
+            <a:prstGeom prst="rect">
+              <a:avLst/>
+            </a:prstGeom>
+            <a:noFill/>
+          </p:spPr>
+          <p:txBody>
+            <a:bodyPr wrap="none" rtlCol="0">
+              <a:spAutoFit/>
+            </a:bodyPr>
+            <a:lstStyle/>
+            <a:p>
+              <a:r>
+                <a:rPr lang="fr-FR" sz="1600" b="1" dirty="0" smtClean="0">
+                  <a:solidFill>
+                    <a:schemeClr val="accent4"/>
+                  </a:solidFill>
+                </a:rPr>
+                <a:t>App B</a:t>
+              </a:r>
+            </a:p>
+          </p:txBody>
+        </p:sp>
+        <p:cxnSp>
+          <p:nvCxnSpPr>
+            <p:cNvPr id="153" name="Connecteur droit avec flèche 152"/>
+            <p:cNvCxnSpPr>
+              <a:stCxn id="150" idx="0"/>
+              <a:endCxn id="146" idx="2"/>
+            </p:cNvCxnSpPr>
+            <p:nvPr/>
+          </p:nvCxnSpPr>
+          <p:spPr bwMode="auto">
+            <a:xfrm flipV="1">
+              <a:off x="610258" y="3012619"/>
+              <a:ext cx="0" cy="715311"/>
+            </a:xfrm>
+            <a:prstGeom prst="straightConnector1">
+              <a:avLst/>
+            </a:prstGeom>
+            <a:ln w="28575" cmpd="sng">
+              <a:solidFill>
+                <a:schemeClr val="tx2"/>
+              </a:solidFill>
+              <a:headEnd type="none"/>
+              <a:tailEnd type="arrow"/>
+            </a:ln>
+          </p:spPr>
+          <p:style>
+            <a:lnRef idx="2">
+              <a:schemeClr val="accent6"/>
+            </a:lnRef>
+            <a:fillRef idx="1">
+              <a:schemeClr val="lt1"/>
+            </a:fillRef>
+            <a:effectRef idx="0">
+              <a:schemeClr val="accent6"/>
+            </a:effectRef>
+            <a:fontRef idx="minor">
+              <a:schemeClr val="dk1"/>
+            </a:fontRef>
+          </p:style>
+        </p:cxnSp>
+      </p:grpSp>
+      <p:grpSp>
+        <p:nvGrpSpPr>
+          <p:cNvPr id="154" name="Grouper 153"/>
+          <p:cNvGrpSpPr/>
+          <p:nvPr/>
+        </p:nvGrpSpPr>
+        <p:grpSpPr>
+          <a:xfrm>
+            <a:off x="3672574" y="2441564"/>
+            <a:ext cx="1341088" cy="2555273"/>
+            <a:chOff x="306534" y="2107241"/>
+            <a:chExt cx="1341088" cy="2555273"/>
+          </a:xfrm>
+        </p:grpSpPr>
+        <p:sp>
+          <p:nvSpPr>
+            <p:cNvPr id="155" name="Rectangle à coins arrondis 154"/>
+            <p:cNvSpPr/>
+            <p:nvPr/>
+          </p:nvSpPr>
+          <p:spPr>
+            <a:xfrm>
+              <a:off x="306534" y="2107241"/>
+              <a:ext cx="1326962" cy="1105820"/>
+            </a:xfrm>
+            <a:prstGeom prst="roundRect">
+              <a:avLst/>
+            </a:prstGeom>
+            <a:ln>
+              <a:solidFill>
+                <a:schemeClr val="accent1">
+                  <a:lumMod val="50000"/>
+                </a:schemeClr>
+              </a:solidFill>
+            </a:ln>
+          </p:spPr>
+          <p:style>
+            <a:lnRef idx="2">
+              <a:schemeClr val="accent6"/>
+            </a:lnRef>
+            <a:fillRef idx="1">
+              <a:schemeClr val="lt1"/>
+            </a:fillRef>
+            <a:effectRef idx="0">
+              <a:schemeClr val="accent6"/>
+            </a:effectRef>
+            <a:fontRef idx="minor">
+              <a:schemeClr val="dk1"/>
+            </a:fontRef>
+          </p:style>
+          <p:txBody>
+            <a:bodyPr anchor="ctr" anchorCtr="0"/>
+            <a:lstStyle/>
+            <a:p>
+              <a:pPr algn="r"/>
+              <a:endParaRPr lang="fr-FR" sz="1400" b="1" dirty="0">
+                <a:solidFill>
+                  <a:schemeClr val="accent1"/>
+                </a:solidFill>
+              </a:endParaRPr>
+            </a:p>
+          </p:txBody>
+        </p:sp>
+        <p:pic>
+          <p:nvPicPr>
+            <p:cNvPr id="156" name="Image 155" descr="UC-S2_Pos.png"/>
+            <p:cNvPicPr>
+              <a:picLocks noChangeAspect="1"/>
+            </p:cNvPicPr>
+            <p:nvPr/>
+          </p:nvPicPr>
+          <p:blipFill>
+            <a:blip r:embed="rId2">
+              <a:extLst>
+                <a:ext uri="{28A0092B-C50C-407E-A947-70E740481C1C}">
+                  <a14:useLocalDpi xmlns:a14="http://schemas.microsoft.com/office/drawing/2010/main" val="0"/>
+                </a:ext>
+              </a:extLst>
+            </a:blip>
+            <a:stretch>
+              <a:fillRect/>
+            </a:stretch>
+          </p:blipFill>
+          <p:spPr>
+            <a:xfrm>
+              <a:off x="423823" y="2225160"/>
+              <a:ext cx="372869" cy="787459"/>
+            </a:xfrm>
+            <a:prstGeom prst="rect">
+              <a:avLst/>
+            </a:prstGeom>
+          </p:spPr>
+        </p:pic>
+        <p:sp>
+          <p:nvSpPr>
+            <p:cNvPr id="157" name="ZoneTexte 156"/>
+            <p:cNvSpPr txBox="1"/>
+            <p:nvPr/>
+          </p:nvSpPr>
+          <p:spPr>
+            <a:xfrm>
+              <a:off x="858924" y="2757389"/>
+              <a:ext cx="566782" cy="338554"/>
+            </a:xfrm>
+            <a:prstGeom prst="rect">
+              <a:avLst/>
+            </a:prstGeom>
+            <a:noFill/>
+          </p:spPr>
+          <p:txBody>
+            <a:bodyPr wrap="none" rtlCol="0">
+              <a:spAutoFit/>
+            </a:bodyPr>
+            <a:lstStyle/>
+            <a:p>
+              <a:r>
+                <a:rPr lang="fr-FR" sz="1600" dirty="0" smtClean="0">
+                  <a:solidFill>
+                    <a:schemeClr val="tx2">
+                      <a:lumMod val="65000"/>
+                      <a:lumOff val="35000"/>
+                    </a:schemeClr>
+                  </a:solidFill>
+                </a:rPr>
+                <a:t>N+1</a:t>
+              </a:r>
+            </a:p>
+          </p:txBody>
+        </p:sp>
+        <p:sp>
+          <p:nvSpPr>
+            <p:cNvPr id="158" name="ZoneTexte 157"/>
+            <p:cNvSpPr txBox="1"/>
+            <p:nvPr/>
+          </p:nvSpPr>
+          <p:spPr>
+            <a:xfrm>
+              <a:off x="858924" y="2481771"/>
+              <a:ext cx="774571" cy="338554"/>
+            </a:xfrm>
+            <a:prstGeom prst="rect">
+              <a:avLst/>
+            </a:prstGeom>
+            <a:noFill/>
+          </p:spPr>
+          <p:txBody>
+            <a:bodyPr wrap="none" rtlCol="0">
+              <a:spAutoFit/>
+            </a:bodyPr>
+            <a:lstStyle/>
+            <a:p>
+              <a:r>
+                <a:rPr lang="fr-FR" sz="1600" b="1" dirty="0" smtClean="0">
+                  <a:solidFill>
+                    <a:schemeClr val="accent1">
+                      <a:lumMod val="50000"/>
+                    </a:schemeClr>
+                  </a:solidFill>
+                </a:rPr>
+                <a:t>App A</a:t>
+              </a:r>
+            </a:p>
+          </p:txBody>
+        </p:sp>
+        <p:sp>
+          <p:nvSpPr>
+            <p:cNvPr id="159" name="Rectangle à coins arrondis 158"/>
+            <p:cNvSpPr/>
+            <p:nvPr/>
+          </p:nvSpPr>
+          <p:spPr>
+            <a:xfrm>
+              <a:off x="306534" y="3620967"/>
+              <a:ext cx="1326962" cy="1041547"/>
+            </a:xfrm>
+            <a:prstGeom prst="roundRect">
+              <a:avLst/>
+            </a:prstGeom>
+            <a:ln>
+              <a:solidFill>
+                <a:schemeClr val="accent4"/>
+              </a:solidFill>
+            </a:ln>
+          </p:spPr>
+          <p:style>
+            <a:lnRef idx="2">
+              <a:schemeClr val="accent6"/>
+            </a:lnRef>
+            <a:fillRef idx="1">
+              <a:schemeClr val="lt1"/>
+            </a:fillRef>
+            <a:effectRef idx="0">
+              <a:schemeClr val="accent6"/>
+            </a:effectRef>
+            <a:fontRef idx="minor">
+              <a:schemeClr val="dk1"/>
+            </a:fontRef>
+          </p:style>
+          <p:txBody>
+            <a:bodyPr anchor="ctr" anchorCtr="0"/>
+            <a:lstStyle/>
+            <a:p>
+              <a:pPr algn="r"/>
+              <a:endParaRPr lang="fr-FR" sz="1400" b="1" dirty="0">
+                <a:solidFill>
+                  <a:schemeClr val="accent4"/>
+                </a:solidFill>
+              </a:endParaRPr>
+            </a:p>
+          </p:txBody>
+        </p:sp>
+        <p:pic>
+          <p:nvPicPr>
+            <p:cNvPr id="160" name="Image 159" descr="UC-S2_Pos.png"/>
+            <p:cNvPicPr>
+              <a:picLocks noChangeAspect="1"/>
+            </p:cNvPicPr>
+            <p:nvPr/>
+          </p:nvPicPr>
+          <p:blipFill>
+            <a:blip r:embed="rId2">
+              <a:extLst>
+                <a:ext uri="{28A0092B-C50C-407E-A947-70E740481C1C}">
+                  <a14:useLocalDpi xmlns:a14="http://schemas.microsoft.com/office/drawing/2010/main" val="0"/>
+                </a:ext>
+              </a:extLst>
+            </a:blip>
+            <a:stretch>
+              <a:fillRect/>
+            </a:stretch>
+          </p:blipFill>
+          <p:spPr>
+            <a:xfrm>
+              <a:off x="423823" y="3727930"/>
+              <a:ext cx="372869" cy="787459"/>
+            </a:xfrm>
+            <a:prstGeom prst="rect">
+              <a:avLst/>
+            </a:prstGeom>
+          </p:spPr>
+        </p:pic>
+        <p:sp>
+          <p:nvSpPr>
+            <p:cNvPr id="161" name="ZoneTexte 160"/>
+            <p:cNvSpPr txBox="1"/>
+            <p:nvPr/>
+          </p:nvSpPr>
+          <p:spPr>
+            <a:xfrm>
+              <a:off x="858924" y="4260159"/>
+              <a:ext cx="332844" cy="338554"/>
+            </a:xfrm>
+            <a:prstGeom prst="rect">
+              <a:avLst/>
+            </a:prstGeom>
+            <a:noFill/>
+          </p:spPr>
+          <p:txBody>
+            <a:bodyPr wrap="none" rtlCol="0">
+              <a:spAutoFit/>
+            </a:bodyPr>
+            <a:lstStyle/>
+            <a:p>
+              <a:r>
+                <a:rPr lang="fr-FR" sz="1600" dirty="0" smtClean="0">
+                  <a:solidFill>
+                    <a:schemeClr val="tx2">
+                      <a:lumMod val="65000"/>
+                      <a:lumOff val="35000"/>
+                    </a:schemeClr>
+                  </a:solidFill>
+                </a:rPr>
+                <a:t>N</a:t>
+              </a:r>
+            </a:p>
+          </p:txBody>
+        </p:sp>
+        <p:sp>
+          <p:nvSpPr>
+            <p:cNvPr id="162" name="ZoneTexte 161"/>
+            <p:cNvSpPr txBox="1"/>
+            <p:nvPr/>
+          </p:nvSpPr>
+          <p:spPr>
+            <a:xfrm>
+              <a:off x="858924" y="3984541"/>
+              <a:ext cx="788698" cy="338554"/>
+            </a:xfrm>
+            <a:prstGeom prst="rect">
+              <a:avLst/>
+            </a:prstGeom>
+            <a:noFill/>
+          </p:spPr>
+          <p:txBody>
+            <a:bodyPr wrap="none" rtlCol="0">
+              <a:spAutoFit/>
+            </a:bodyPr>
+            <a:lstStyle/>
+            <a:p>
+              <a:r>
+                <a:rPr lang="fr-FR" sz="1600" b="1" dirty="0" smtClean="0">
+                  <a:solidFill>
+                    <a:schemeClr val="accent4"/>
+                  </a:solidFill>
+                </a:rPr>
+                <a:t>App B</a:t>
+              </a:r>
+            </a:p>
+          </p:txBody>
+        </p:sp>
+        <p:cxnSp>
+          <p:nvCxnSpPr>
+            <p:cNvPr id="163" name="Connecteur droit avec flèche 162"/>
+            <p:cNvCxnSpPr>
+              <a:stCxn id="160" idx="0"/>
+              <a:endCxn id="156" idx="2"/>
+            </p:cNvCxnSpPr>
+            <p:nvPr/>
+          </p:nvCxnSpPr>
+          <p:spPr bwMode="auto">
+            <a:xfrm flipV="1">
+              <a:off x="610258" y="3012619"/>
+              <a:ext cx="0" cy="715311"/>
+            </a:xfrm>
+            <a:prstGeom prst="straightConnector1">
+              <a:avLst/>
+            </a:prstGeom>
+            <a:ln w="28575" cmpd="sng">
+              <a:solidFill>
+                <a:schemeClr val="tx2"/>
+              </a:solidFill>
+              <a:headEnd type="none"/>
+              <a:tailEnd type="arrow"/>
+            </a:ln>
+          </p:spPr>
+          <p:style>
+            <a:lnRef idx="2">
+              <a:schemeClr val="accent6"/>
+            </a:lnRef>
+            <a:fillRef idx="1">
+              <a:schemeClr val="lt1"/>
+            </a:fillRef>
+            <a:effectRef idx="0">
+              <a:schemeClr val="accent6"/>
+            </a:effectRef>
+            <a:fontRef idx="minor">
+              <a:schemeClr val="dk1"/>
+            </a:fontRef>
+          </p:style>
+        </p:cxnSp>
+      </p:grpSp>
+      <p:grpSp>
+        <p:nvGrpSpPr>
+          <p:cNvPr id="164" name="Grouper 163"/>
+          <p:cNvGrpSpPr/>
+          <p:nvPr/>
+        </p:nvGrpSpPr>
+        <p:grpSpPr>
+          <a:xfrm>
+            <a:off x="1989161" y="2441564"/>
+            <a:ext cx="1341088" cy="2555273"/>
+            <a:chOff x="306534" y="2107241"/>
+            <a:chExt cx="1341088" cy="2555273"/>
+          </a:xfrm>
+        </p:grpSpPr>
+        <p:sp>
+          <p:nvSpPr>
+            <p:cNvPr id="165" name="Rectangle à coins arrondis 164"/>
+            <p:cNvSpPr/>
+            <p:nvPr/>
+          </p:nvSpPr>
+          <p:spPr>
+            <a:xfrm>
+              <a:off x="306534" y="2107241"/>
+              <a:ext cx="1326962" cy="1105820"/>
+            </a:xfrm>
+            <a:prstGeom prst="roundRect">
+              <a:avLst/>
+            </a:prstGeom>
+            <a:ln>
+              <a:solidFill>
+                <a:schemeClr val="accent1">
+                  <a:lumMod val="50000"/>
+                </a:schemeClr>
+              </a:solidFill>
+            </a:ln>
+          </p:spPr>
+          <p:style>
+            <a:lnRef idx="2">
+              <a:schemeClr val="accent6"/>
+            </a:lnRef>
+            <a:fillRef idx="1">
+              <a:schemeClr val="lt1"/>
+            </a:fillRef>
+            <a:effectRef idx="0">
+              <a:schemeClr val="accent6"/>
+            </a:effectRef>
+            <a:fontRef idx="minor">
+              <a:schemeClr val="dk1"/>
+            </a:fontRef>
+          </p:style>
+          <p:txBody>
+            <a:bodyPr anchor="ctr" anchorCtr="0"/>
+            <a:lstStyle/>
+            <a:p>
+              <a:pPr algn="r"/>
+              <a:endParaRPr lang="fr-FR" sz="1400" b="1" dirty="0">
+                <a:solidFill>
+                  <a:schemeClr val="accent1"/>
+                </a:solidFill>
+              </a:endParaRPr>
+            </a:p>
+          </p:txBody>
+        </p:sp>
+        <p:pic>
+          <p:nvPicPr>
+            <p:cNvPr id="166" name="Image 165" descr="UC-S2_Pos.png"/>
+            <p:cNvPicPr>
+              <a:picLocks noChangeAspect="1"/>
+            </p:cNvPicPr>
+            <p:nvPr/>
+          </p:nvPicPr>
+          <p:blipFill>
+            <a:blip r:embed="rId2">
+              <a:extLst>
+                <a:ext uri="{28A0092B-C50C-407E-A947-70E740481C1C}">
+                  <a14:useLocalDpi xmlns:a14="http://schemas.microsoft.com/office/drawing/2010/main" val="0"/>
+                </a:ext>
+              </a:extLst>
+            </a:blip>
+            <a:stretch>
+              <a:fillRect/>
+            </a:stretch>
+          </p:blipFill>
+          <p:spPr>
+            <a:xfrm>
+              <a:off x="423823" y="2225160"/>
+              <a:ext cx="372869" cy="787459"/>
+            </a:xfrm>
+            <a:prstGeom prst="rect">
+              <a:avLst/>
+            </a:prstGeom>
+          </p:spPr>
+        </p:pic>
+        <p:sp>
+          <p:nvSpPr>
+            <p:cNvPr id="167" name="ZoneTexte 166"/>
+            <p:cNvSpPr txBox="1"/>
+            <p:nvPr/>
+          </p:nvSpPr>
+          <p:spPr>
+            <a:xfrm>
+              <a:off x="858924" y="2757389"/>
+              <a:ext cx="332844" cy="338554"/>
+            </a:xfrm>
+            <a:prstGeom prst="rect">
+              <a:avLst/>
+            </a:prstGeom>
+            <a:noFill/>
+          </p:spPr>
+          <p:txBody>
+            <a:bodyPr wrap="none" rtlCol="0">
+              <a:spAutoFit/>
+            </a:bodyPr>
+            <a:lstStyle/>
+            <a:p>
+              <a:r>
+                <a:rPr lang="fr-FR" sz="1600" dirty="0" smtClean="0">
+                  <a:solidFill>
+                    <a:schemeClr val="tx2">
+                      <a:lumMod val="65000"/>
+                      <a:lumOff val="35000"/>
+                    </a:schemeClr>
+                  </a:solidFill>
+                </a:rPr>
+                <a:t>N</a:t>
+              </a:r>
+            </a:p>
+          </p:txBody>
+        </p:sp>
+        <p:sp>
+          <p:nvSpPr>
+            <p:cNvPr id="168" name="ZoneTexte 167"/>
+            <p:cNvSpPr txBox="1"/>
+            <p:nvPr/>
+          </p:nvSpPr>
+          <p:spPr>
+            <a:xfrm>
+              <a:off x="858924" y="2481771"/>
+              <a:ext cx="774571" cy="338554"/>
+            </a:xfrm>
+            <a:prstGeom prst="rect">
+              <a:avLst/>
+            </a:prstGeom>
+            <a:noFill/>
+          </p:spPr>
+          <p:txBody>
+            <a:bodyPr wrap="none" rtlCol="0">
+              <a:spAutoFit/>
+            </a:bodyPr>
+            <a:lstStyle/>
+            <a:p>
+              <a:r>
+                <a:rPr lang="fr-FR" sz="1600" b="1" dirty="0" smtClean="0">
+                  <a:solidFill>
+                    <a:schemeClr val="accent1">
+                      <a:lumMod val="50000"/>
+                    </a:schemeClr>
+                  </a:solidFill>
+                </a:rPr>
+                <a:t>App A</a:t>
+              </a:r>
+            </a:p>
+          </p:txBody>
+        </p:sp>
+        <p:sp>
+          <p:nvSpPr>
+            <p:cNvPr id="169" name="Rectangle à coins arrondis 168"/>
+            <p:cNvSpPr/>
+            <p:nvPr/>
+          </p:nvSpPr>
+          <p:spPr>
+            <a:xfrm>
+              <a:off x="306534" y="3620967"/>
+              <a:ext cx="1326962" cy="1041547"/>
+            </a:xfrm>
+            <a:prstGeom prst="roundRect">
+              <a:avLst/>
+            </a:prstGeom>
+            <a:ln>
+              <a:solidFill>
+                <a:schemeClr val="accent4"/>
+              </a:solidFill>
+            </a:ln>
+          </p:spPr>
+          <p:style>
+            <a:lnRef idx="2">
+              <a:schemeClr val="accent6"/>
+            </a:lnRef>
+            <a:fillRef idx="1">
+              <a:schemeClr val="lt1"/>
+            </a:fillRef>
+            <a:effectRef idx="0">
+              <a:schemeClr val="accent6"/>
+            </a:effectRef>
+            <a:fontRef idx="minor">
+              <a:schemeClr val="dk1"/>
+            </a:fontRef>
+          </p:style>
+          <p:txBody>
+            <a:bodyPr anchor="ctr" anchorCtr="0"/>
+            <a:lstStyle/>
+            <a:p>
+              <a:pPr algn="r"/>
+              <a:endParaRPr lang="fr-FR" sz="1400" b="1" dirty="0">
+                <a:solidFill>
+                  <a:schemeClr val="accent4"/>
+                </a:solidFill>
+              </a:endParaRPr>
+            </a:p>
+          </p:txBody>
+        </p:sp>
+        <p:pic>
+          <p:nvPicPr>
+            <p:cNvPr id="170" name="Image 169" descr="UC-S2_Pos.png"/>
+            <p:cNvPicPr>
+              <a:picLocks noChangeAspect="1"/>
+            </p:cNvPicPr>
+            <p:nvPr/>
+          </p:nvPicPr>
+          <p:blipFill>
+            <a:blip r:embed="rId2">
+              <a:extLst>
+                <a:ext uri="{28A0092B-C50C-407E-A947-70E740481C1C}">
+                  <a14:useLocalDpi xmlns:a14="http://schemas.microsoft.com/office/drawing/2010/main" val="0"/>
+                </a:ext>
+              </a:extLst>
+            </a:blip>
+            <a:stretch>
+              <a:fillRect/>
+            </a:stretch>
+          </p:blipFill>
+          <p:spPr>
+            <a:xfrm>
+              <a:off x="423823" y="3727930"/>
+              <a:ext cx="372869" cy="787459"/>
+            </a:xfrm>
+            <a:prstGeom prst="rect">
+              <a:avLst/>
+            </a:prstGeom>
+          </p:spPr>
+        </p:pic>
+        <p:sp>
+          <p:nvSpPr>
+            <p:cNvPr id="171" name="ZoneTexte 170"/>
+            <p:cNvSpPr txBox="1"/>
+            <p:nvPr/>
+          </p:nvSpPr>
+          <p:spPr>
+            <a:xfrm>
+              <a:off x="858924" y="4260159"/>
+              <a:ext cx="680795" cy="338554"/>
+            </a:xfrm>
+            <a:prstGeom prst="rect">
+              <a:avLst/>
+            </a:prstGeom>
+            <a:noFill/>
+          </p:spPr>
+          <p:txBody>
+            <a:bodyPr wrap="none" rtlCol="0">
+              <a:spAutoFit/>
+            </a:bodyPr>
+            <a:lstStyle/>
+            <a:p>
+              <a:r>
+                <a:rPr lang="fr-FR" sz="1600" dirty="0" smtClean="0">
+                  <a:solidFill>
+                    <a:schemeClr val="tx2">
+                      <a:lumMod val="65000"/>
+                      <a:lumOff val="35000"/>
+                    </a:schemeClr>
+                  </a:solidFill>
+                </a:rPr>
+                <a:t>N + 1</a:t>
+              </a:r>
+            </a:p>
+          </p:txBody>
+        </p:sp>
+        <p:sp>
+          <p:nvSpPr>
+            <p:cNvPr id="172" name="ZoneTexte 171"/>
+            <p:cNvSpPr txBox="1"/>
+            <p:nvPr/>
+          </p:nvSpPr>
+          <p:spPr>
+            <a:xfrm>
+              <a:off x="858924" y="3984541"/>
+              <a:ext cx="788698" cy="338554"/>
+            </a:xfrm>
+            <a:prstGeom prst="rect">
+              <a:avLst/>
+            </a:prstGeom>
+            <a:noFill/>
+          </p:spPr>
+          <p:txBody>
+            <a:bodyPr wrap="none" rtlCol="0">
+              <a:spAutoFit/>
+            </a:bodyPr>
+            <a:lstStyle/>
+            <a:p>
+              <a:r>
+                <a:rPr lang="fr-FR" sz="1600" b="1" dirty="0" smtClean="0">
+                  <a:solidFill>
+                    <a:schemeClr val="accent4"/>
+                  </a:solidFill>
+                </a:rPr>
+                <a:t>App B</a:t>
+              </a:r>
+            </a:p>
+          </p:txBody>
+        </p:sp>
+        <p:cxnSp>
+          <p:nvCxnSpPr>
+            <p:cNvPr id="173" name="Connecteur droit avec flèche 172"/>
+            <p:cNvCxnSpPr>
+              <a:stCxn id="170" idx="0"/>
+              <a:endCxn id="166" idx="2"/>
+            </p:cNvCxnSpPr>
+            <p:nvPr/>
+          </p:nvCxnSpPr>
+          <p:spPr bwMode="auto">
+            <a:xfrm flipV="1">
+              <a:off x="610258" y="3012619"/>
+              <a:ext cx="0" cy="715311"/>
+            </a:xfrm>
+            <a:prstGeom prst="straightConnector1">
+              <a:avLst/>
+            </a:prstGeom>
+            <a:ln w="28575" cmpd="sng">
+              <a:solidFill>
+                <a:schemeClr val="tx2"/>
+              </a:solidFill>
+              <a:headEnd type="none"/>
+              <a:tailEnd type="arrow"/>
+            </a:ln>
+          </p:spPr>
+          <p:style>
+            <a:lnRef idx="2">
+              <a:schemeClr val="accent6"/>
+            </a:lnRef>
+            <a:fillRef idx="1">
+              <a:schemeClr val="lt1"/>
+            </a:fillRef>
+            <a:effectRef idx="0">
+              <a:schemeClr val="accent6"/>
+            </a:effectRef>
+            <a:fontRef idx="minor">
+              <a:schemeClr val="dk1"/>
+            </a:fontRef>
+          </p:style>
+        </p:cxnSp>
+      </p:grpSp>
+      <p:grpSp>
+        <p:nvGrpSpPr>
+          <p:cNvPr id="174" name="Grouper 173"/>
+          <p:cNvGrpSpPr/>
+          <p:nvPr/>
+        </p:nvGrpSpPr>
+        <p:grpSpPr>
+          <a:xfrm>
+            <a:off x="305748" y="2441564"/>
+            <a:ext cx="1341088" cy="2555273"/>
+            <a:chOff x="306534" y="2107241"/>
+            <a:chExt cx="1341088" cy="2555273"/>
+          </a:xfrm>
+        </p:grpSpPr>
+        <p:sp>
+          <p:nvSpPr>
+            <p:cNvPr id="175" name="Rectangle à coins arrondis 174"/>
+            <p:cNvSpPr/>
+            <p:nvPr/>
+          </p:nvSpPr>
+          <p:spPr>
+            <a:xfrm>
+              <a:off x="306534" y="2107241"/>
+              <a:ext cx="1326962" cy="1105820"/>
+            </a:xfrm>
+            <a:prstGeom prst="roundRect">
+              <a:avLst/>
+            </a:prstGeom>
+            <a:ln>
+              <a:solidFill>
+                <a:schemeClr val="accent1">
+                  <a:lumMod val="50000"/>
+                </a:schemeClr>
+              </a:solidFill>
+            </a:ln>
+          </p:spPr>
+          <p:style>
+            <a:lnRef idx="2">
+              <a:schemeClr val="accent6"/>
+            </a:lnRef>
+            <a:fillRef idx="1">
+              <a:schemeClr val="lt1"/>
+            </a:fillRef>
+            <a:effectRef idx="0">
+              <a:schemeClr val="accent6"/>
+            </a:effectRef>
+            <a:fontRef idx="minor">
+              <a:schemeClr val="dk1"/>
+            </a:fontRef>
+          </p:style>
+          <p:txBody>
+            <a:bodyPr anchor="ctr" anchorCtr="0"/>
+            <a:lstStyle/>
+            <a:p>
+              <a:pPr algn="r"/>
+              <a:endParaRPr lang="fr-FR" sz="1400" b="1" dirty="0">
+                <a:solidFill>
+                  <a:schemeClr val="accent1"/>
+                </a:solidFill>
+              </a:endParaRPr>
+            </a:p>
+          </p:txBody>
+        </p:sp>
+        <p:pic>
+          <p:nvPicPr>
+            <p:cNvPr id="176" name="Image 175" descr="UC-S2_Pos.png"/>
+            <p:cNvPicPr>
+              <a:picLocks noChangeAspect="1"/>
+            </p:cNvPicPr>
+            <p:nvPr/>
+          </p:nvPicPr>
+          <p:blipFill>
+            <a:blip r:embed="rId2">
+              <a:extLst>
+                <a:ext uri="{28A0092B-C50C-407E-A947-70E740481C1C}">
+                  <a14:useLocalDpi xmlns:a14="http://schemas.microsoft.com/office/drawing/2010/main" val="0"/>
+                </a:ext>
+              </a:extLst>
+            </a:blip>
+            <a:stretch>
+              <a:fillRect/>
+            </a:stretch>
+          </p:blipFill>
+          <p:spPr>
+            <a:xfrm>
+              <a:off x="423823" y="2225160"/>
+              <a:ext cx="372869" cy="787459"/>
+            </a:xfrm>
+            <a:prstGeom prst="rect">
+              <a:avLst/>
+            </a:prstGeom>
+          </p:spPr>
+        </p:pic>
+        <p:sp>
+          <p:nvSpPr>
+            <p:cNvPr id="177" name="ZoneTexte 176"/>
+            <p:cNvSpPr txBox="1"/>
+            <p:nvPr/>
+          </p:nvSpPr>
+          <p:spPr>
+            <a:xfrm>
+              <a:off x="858924" y="2757389"/>
+              <a:ext cx="332844" cy="338554"/>
+            </a:xfrm>
+            <a:prstGeom prst="rect">
+              <a:avLst/>
+            </a:prstGeom>
+            <a:noFill/>
+          </p:spPr>
+          <p:txBody>
+            <a:bodyPr wrap="none" rtlCol="0">
+              <a:spAutoFit/>
+            </a:bodyPr>
+            <a:lstStyle/>
+            <a:p>
+              <a:r>
+                <a:rPr lang="fr-FR" sz="1600" dirty="0" smtClean="0">
+                  <a:solidFill>
+                    <a:schemeClr val="tx2">
+                      <a:lumMod val="65000"/>
+                      <a:lumOff val="35000"/>
+                    </a:schemeClr>
+                  </a:solidFill>
+                </a:rPr>
+                <a:t>N</a:t>
+              </a:r>
+            </a:p>
+          </p:txBody>
+        </p:sp>
+        <p:sp>
+          <p:nvSpPr>
+            <p:cNvPr id="178" name="ZoneTexte 177"/>
+            <p:cNvSpPr txBox="1"/>
+            <p:nvPr/>
+          </p:nvSpPr>
+          <p:spPr>
+            <a:xfrm>
+              <a:off x="858924" y="2481771"/>
+              <a:ext cx="774571" cy="338554"/>
+            </a:xfrm>
+            <a:prstGeom prst="rect">
+              <a:avLst/>
+            </a:prstGeom>
+            <a:noFill/>
+          </p:spPr>
+          <p:txBody>
+            <a:bodyPr wrap="none" rtlCol="0">
+              <a:spAutoFit/>
+            </a:bodyPr>
+            <a:lstStyle/>
+            <a:p>
+              <a:r>
+                <a:rPr lang="fr-FR" sz="1600" b="1" dirty="0" smtClean="0">
+                  <a:solidFill>
+                    <a:schemeClr val="accent1">
+                      <a:lumMod val="50000"/>
+                    </a:schemeClr>
+                  </a:solidFill>
+                </a:rPr>
+                <a:t>App A</a:t>
+              </a:r>
+            </a:p>
+          </p:txBody>
+        </p:sp>
+        <p:sp>
+          <p:nvSpPr>
+            <p:cNvPr id="179" name="Rectangle à coins arrondis 178"/>
+            <p:cNvSpPr/>
+            <p:nvPr/>
+          </p:nvSpPr>
+          <p:spPr>
+            <a:xfrm>
+              <a:off x="306534" y="3620967"/>
+              <a:ext cx="1326962" cy="1041547"/>
+            </a:xfrm>
+            <a:prstGeom prst="roundRect">
+              <a:avLst/>
+            </a:prstGeom>
+            <a:ln>
+              <a:solidFill>
+                <a:schemeClr val="accent4"/>
+              </a:solidFill>
+            </a:ln>
+          </p:spPr>
+          <p:style>
+            <a:lnRef idx="2">
+              <a:schemeClr val="accent6"/>
+            </a:lnRef>
+            <a:fillRef idx="1">
+              <a:schemeClr val="lt1"/>
+            </a:fillRef>
+            <a:effectRef idx="0">
+              <a:schemeClr val="accent6"/>
+            </a:effectRef>
+            <a:fontRef idx="minor">
+              <a:schemeClr val="dk1"/>
+            </a:fontRef>
+          </p:style>
+          <p:txBody>
+            <a:bodyPr anchor="ctr" anchorCtr="0"/>
+            <a:lstStyle/>
+            <a:p>
+              <a:pPr algn="r"/>
+              <a:endParaRPr lang="fr-FR" sz="1400" b="1" dirty="0">
+                <a:solidFill>
+                  <a:schemeClr val="accent4"/>
+                </a:solidFill>
+              </a:endParaRPr>
+            </a:p>
+          </p:txBody>
+        </p:sp>
+        <p:pic>
+          <p:nvPicPr>
+            <p:cNvPr id="180" name="Image 179" descr="UC-S2_Pos.png"/>
+            <p:cNvPicPr>
+              <a:picLocks noChangeAspect="1"/>
+            </p:cNvPicPr>
+            <p:nvPr/>
+          </p:nvPicPr>
+          <p:blipFill>
+            <a:blip r:embed="rId2">
+              <a:extLst>
+                <a:ext uri="{28A0092B-C50C-407E-A947-70E740481C1C}">
+                  <a14:useLocalDpi xmlns:a14="http://schemas.microsoft.com/office/drawing/2010/main" val="0"/>
+                </a:ext>
+              </a:extLst>
+            </a:blip>
+            <a:stretch>
+              <a:fillRect/>
+            </a:stretch>
+          </p:blipFill>
+          <p:spPr>
+            <a:xfrm>
+              <a:off x="423823" y="3727930"/>
+              <a:ext cx="372869" cy="787459"/>
+            </a:xfrm>
+            <a:prstGeom prst="rect">
+              <a:avLst/>
+            </a:prstGeom>
+          </p:spPr>
+        </p:pic>
+        <p:sp>
+          <p:nvSpPr>
+            <p:cNvPr id="181" name="ZoneTexte 180"/>
+            <p:cNvSpPr txBox="1"/>
+            <p:nvPr/>
+          </p:nvSpPr>
+          <p:spPr>
+            <a:xfrm>
+              <a:off x="858924" y="4260159"/>
+              <a:ext cx="332844" cy="338554"/>
+            </a:xfrm>
+            <a:prstGeom prst="rect">
+              <a:avLst/>
+            </a:prstGeom>
+            <a:noFill/>
+          </p:spPr>
+          <p:txBody>
+            <a:bodyPr wrap="none" rtlCol="0">
+              <a:spAutoFit/>
+            </a:bodyPr>
+            <a:lstStyle/>
+            <a:p>
+              <a:r>
+                <a:rPr lang="fr-FR" sz="1600" dirty="0" smtClean="0">
+                  <a:solidFill>
+                    <a:schemeClr val="tx2">
+                      <a:lumMod val="65000"/>
+                      <a:lumOff val="35000"/>
+                    </a:schemeClr>
+                  </a:solidFill>
+                </a:rPr>
+                <a:t>N</a:t>
+              </a:r>
+            </a:p>
+          </p:txBody>
+        </p:sp>
+        <p:sp>
+          <p:nvSpPr>
+            <p:cNvPr id="182" name="ZoneTexte 181"/>
+            <p:cNvSpPr txBox="1"/>
+            <p:nvPr/>
+          </p:nvSpPr>
+          <p:spPr>
+            <a:xfrm>
+              <a:off x="858924" y="3984541"/>
+              <a:ext cx="788698" cy="338554"/>
+            </a:xfrm>
+            <a:prstGeom prst="rect">
+              <a:avLst/>
+            </a:prstGeom>
+            <a:noFill/>
+          </p:spPr>
+          <p:txBody>
+            <a:bodyPr wrap="none" rtlCol="0">
+              <a:spAutoFit/>
+            </a:bodyPr>
+            <a:lstStyle/>
+            <a:p>
+              <a:r>
+                <a:rPr lang="fr-FR" sz="1600" b="1" dirty="0" smtClean="0">
+                  <a:solidFill>
+                    <a:schemeClr val="accent4"/>
+                  </a:solidFill>
+                </a:rPr>
+                <a:t>App B</a:t>
+              </a:r>
+            </a:p>
+          </p:txBody>
+        </p:sp>
+        <p:cxnSp>
+          <p:nvCxnSpPr>
+            <p:cNvPr id="183" name="Connecteur droit avec flèche 182"/>
+            <p:cNvCxnSpPr>
+              <a:stCxn id="180" idx="0"/>
+              <a:endCxn id="176" idx="2"/>
+            </p:cNvCxnSpPr>
+            <p:nvPr/>
+          </p:nvCxnSpPr>
+          <p:spPr bwMode="auto">
+            <a:xfrm flipV="1">
+              <a:off x="610258" y="3012619"/>
+              <a:ext cx="0" cy="715311"/>
+            </a:xfrm>
+            <a:prstGeom prst="straightConnector1">
+              <a:avLst/>
+            </a:prstGeom>
+            <a:ln w="28575" cmpd="sng">
+              <a:solidFill>
+                <a:schemeClr val="tx2"/>
+              </a:solidFill>
+              <a:headEnd type="none"/>
+              <a:tailEnd type="arrow"/>
+            </a:ln>
+          </p:spPr>
+          <p:style>
+            <a:lnRef idx="2">
+              <a:schemeClr val="accent6"/>
+            </a:lnRef>
+            <a:fillRef idx="1">
+              <a:schemeClr val="lt1"/>
+            </a:fillRef>
+            <a:effectRef idx="0">
+              <a:schemeClr val="accent6"/>
+            </a:effectRef>
+            <a:fontRef idx="minor">
+              <a:schemeClr val="dk1"/>
+            </a:fontRef>
+          </p:style>
+        </p:cxnSp>
+      </p:grpSp>
+      <p:sp>
+        <p:nvSpPr>
+          <p:cNvPr id="186" name="ZoneTexte 185"/>
+          <p:cNvSpPr txBox="1"/>
+          <p:nvPr/>
+        </p:nvSpPr>
+        <p:spPr>
+          <a:xfrm>
+            <a:off x="6846742" y="1839025"/>
+            <a:ext cx="1698953" cy="492443"/>
+          </a:xfrm>
+          <a:prstGeom prst="rect">
+            <a:avLst/>
+          </a:prstGeom>
+          <a:noFill/>
+        </p:spPr>
+        <p:txBody>
+          <a:bodyPr wrap="none" rtlCol="0">
+            <a:spAutoFit/>
+          </a:bodyPr>
+          <a:lstStyle>
+            <a:defPPr>
+              <a:defRPr lang="fr-FR"/>
+            </a:defPPr>
+            <a:lvl1pPr>
+              <a:defRPr sz="1600">
+                <a:solidFill>
+                  <a:schemeClr val="tx2"/>
+                </a:solidFill>
+              </a:defRPr>
+            </a:lvl1pPr>
+          </a:lstStyle>
+          <a:p>
+            <a:pPr algn="ctr"/>
+            <a:r>
+              <a:rPr lang="fr-FR" sz="1400" dirty="0"/>
+              <a:t>Étape </a:t>
+            </a:r>
+            <a:r>
+              <a:rPr lang="fr-FR" sz="1400" dirty="0" smtClean="0"/>
+              <a:t>3</a:t>
+            </a:r>
+          </a:p>
+          <a:p>
+            <a:pPr algn="ctr"/>
+            <a:r>
+              <a:rPr lang="fr-FR" sz="1200" dirty="0" smtClean="0"/>
+              <a:t>Version N+1 de A et B</a:t>
+            </a:r>
+            <a:endParaRPr lang="fr-FR" sz="1200" dirty="0"/>
+          </a:p>
+        </p:txBody>
+      </p:sp>
+      <p:sp>
+        <p:nvSpPr>
+          <p:cNvPr id="187" name="ZoneTexte 186"/>
+          <p:cNvSpPr txBox="1"/>
+          <p:nvPr/>
+        </p:nvSpPr>
+        <p:spPr>
+          <a:xfrm>
+            <a:off x="3031684" y="1839025"/>
+            <a:ext cx="2605526" cy="492443"/>
+          </a:xfrm>
+          <a:prstGeom prst="rect">
+            <a:avLst/>
+          </a:prstGeom>
+          <a:noFill/>
+        </p:spPr>
+        <p:txBody>
+          <a:bodyPr wrap="none" rtlCol="0">
+            <a:spAutoFit/>
+          </a:bodyPr>
+          <a:lstStyle>
+            <a:defPPr>
+              <a:defRPr lang="fr-FR"/>
+            </a:defPPr>
+            <a:lvl1pPr>
+              <a:defRPr sz="1600">
+                <a:solidFill>
+                  <a:schemeClr val="tx2"/>
+                </a:solidFill>
+              </a:defRPr>
+            </a:lvl1pPr>
+          </a:lstStyle>
+          <a:p>
+            <a:pPr algn="ctr"/>
+            <a:r>
+              <a:rPr lang="fr-FR" sz="1400" dirty="0"/>
+              <a:t>Étape </a:t>
+            </a:r>
+            <a:r>
+              <a:rPr lang="fr-FR" sz="1400" dirty="0" smtClean="0"/>
+              <a:t>2</a:t>
+            </a:r>
+          </a:p>
+          <a:p>
+            <a:pPr algn="ctr"/>
+            <a:r>
+              <a:rPr lang="fr-FR" sz="1200" dirty="0" smtClean="0"/>
+              <a:t>Version N de 1 et version N+1 de B</a:t>
+            </a:r>
+            <a:endParaRPr lang="fr-FR" sz="1200" dirty="0"/>
+          </a:p>
+        </p:txBody>
+      </p:sp>
+      <p:cxnSp>
+        <p:nvCxnSpPr>
+          <p:cNvPr id="188" name="Connecteur droit avec flèche 187"/>
+          <p:cNvCxnSpPr/>
+          <p:nvPr/>
+        </p:nvCxnSpPr>
+        <p:spPr bwMode="auto">
+          <a:xfrm flipH="1" flipV="1">
+            <a:off x="3672575" y="2331469"/>
+            <a:ext cx="1341087" cy="2891067"/>
+          </a:xfrm>
+          <a:prstGeom prst="straightConnector1">
+            <a:avLst/>
+          </a:prstGeom>
+          <a:ln w="38100" cmpd="sng">
+            <a:solidFill>
+              <a:srgbClr val="FF0000"/>
+            </a:solidFill>
+            <a:headEnd type="none"/>
+            <a:tailEnd type="none"/>
+          </a:ln>
+        </p:spPr>
+        <p:style>
+          <a:lnRef idx="2">
+            <a:schemeClr val="accent6"/>
+          </a:lnRef>
+          <a:fillRef idx="1">
+            <a:schemeClr val="lt1"/>
+          </a:fillRef>
+          <a:effectRef idx="0">
+            <a:schemeClr val="accent6"/>
+          </a:effectRef>
+          <a:fontRef idx="minor">
+            <a:schemeClr val="dk1"/>
+          </a:fontRef>
+        </p:style>
+      </p:cxnSp>
+      <p:cxnSp>
+        <p:nvCxnSpPr>
+          <p:cNvPr id="189" name="Connecteur droit avec flèche 188"/>
+          <p:cNvCxnSpPr/>
+          <p:nvPr/>
+        </p:nvCxnSpPr>
+        <p:spPr bwMode="auto">
+          <a:xfrm flipV="1">
+            <a:off x="3672574" y="2331469"/>
+            <a:ext cx="1341089" cy="2891067"/>
+          </a:xfrm>
+          <a:prstGeom prst="straightConnector1">
+            <a:avLst/>
+          </a:prstGeom>
+          <a:ln w="38100" cmpd="sng">
+            <a:solidFill>
+              <a:srgbClr val="FF0000"/>
+            </a:solidFill>
+            <a:headEnd type="none"/>
+            <a:tailEnd type="none"/>
+          </a:ln>
+        </p:spPr>
+        <p:style>
+          <a:lnRef idx="2">
+            <a:schemeClr val="accent6"/>
+          </a:lnRef>
+          <a:fillRef idx="1">
+            <a:schemeClr val="lt1"/>
+          </a:fillRef>
+          <a:effectRef idx="0">
+            <a:schemeClr val="accent6"/>
+          </a:effectRef>
+          <a:fontRef idx="minor">
+            <a:schemeClr val="dk1"/>
+          </a:fontRef>
+        </p:style>
+      </p:cxnSp>
+      <p:cxnSp>
+        <p:nvCxnSpPr>
+          <p:cNvPr id="190" name="Connecteur droit avec flèche 189"/>
+          <p:cNvCxnSpPr/>
+          <p:nvPr/>
+        </p:nvCxnSpPr>
+        <p:spPr bwMode="auto">
+          <a:xfrm flipH="1" flipV="1">
+            <a:off x="5341860" y="2331468"/>
+            <a:ext cx="1341087" cy="2891067"/>
+          </a:xfrm>
+          <a:prstGeom prst="straightConnector1">
+            <a:avLst/>
+          </a:prstGeom>
+          <a:ln w="38100" cmpd="sng">
+            <a:solidFill>
+              <a:srgbClr val="FF0000"/>
+            </a:solidFill>
+            <a:headEnd type="none"/>
+            <a:tailEnd type="none"/>
+          </a:ln>
+        </p:spPr>
+        <p:style>
+          <a:lnRef idx="2">
+            <a:schemeClr val="accent6"/>
+          </a:lnRef>
+          <a:fillRef idx="1">
+            <a:schemeClr val="lt1"/>
+          </a:fillRef>
+          <a:effectRef idx="0">
+            <a:schemeClr val="accent6"/>
+          </a:effectRef>
+          <a:fontRef idx="minor">
+            <a:schemeClr val="dk1"/>
+          </a:fontRef>
+        </p:style>
+      </p:cxnSp>
+      <p:cxnSp>
+        <p:nvCxnSpPr>
+          <p:cNvPr id="191" name="Connecteur droit avec flèche 190"/>
+          <p:cNvCxnSpPr/>
+          <p:nvPr/>
+        </p:nvCxnSpPr>
+        <p:spPr bwMode="auto">
+          <a:xfrm flipV="1">
+            <a:off x="5341859" y="2331468"/>
+            <a:ext cx="1341089" cy="2891067"/>
+          </a:xfrm>
+          <a:prstGeom prst="straightConnector1">
+            <a:avLst/>
+          </a:prstGeom>
+          <a:ln w="38100" cmpd="sng">
+            <a:solidFill>
+              <a:srgbClr val="FF0000"/>
+            </a:solidFill>
+            <a:headEnd type="none"/>
+            <a:tailEnd type="none"/>
+          </a:ln>
+        </p:spPr>
+        <p:style>
+          <a:lnRef idx="2">
+            <a:schemeClr val="accent6"/>
+          </a:lnRef>
+          <a:fillRef idx="1">
+            <a:schemeClr val="lt1"/>
+          </a:fillRef>
+          <a:effectRef idx="0">
+            <a:schemeClr val="accent6"/>
+          </a:effectRef>
+          <a:fontRef idx="minor">
+            <a:schemeClr val="dk1"/>
+          </a:fontRef>
+        </p:style>
+      </p:cxnSp>
+    </p:spTree>
+    <p:extLst>
+      <p:ext uri="{BB962C8B-B14F-4D97-AF65-F5344CB8AC3E}">
+        <p14:creationId xmlns:p14="http://schemas.microsoft.com/office/powerpoint/2010/main" val="60762868"/>
+      </p:ext>
+    </p:extLst>
+  </p:cSld>
+  <p:clrMapOvr>
+    <a:masterClrMapping/>
+  </p:clrMapOvr>
+  <p:timing>
+    <p:tnLst>
+      <p:par>
+        <p:cTn xmlns:p14="http://schemas.microsoft.com/office/powerpoint/2010/main" id="1" dur="indefinite" restart="never" nodeType="tmRoot"/>
+      </p:par>
+    </p:tnLst>
+  </p:timing>
+</p:sld>
+</file>
+
+<file path=ppt/slides/slide3.xml><?xml version="1.0" encoding="utf-8"?>
+<p:sld xmlns:a="http://schemas.openxmlformats.org/drawingml/2006/main" xmlns:r="http://schemas.openxmlformats.org/officeDocument/2006/relationships" xmlns:p="http://schemas.openxmlformats.org/presentationml/2006/main">
+  <p:cSld>
+    <p:spTree>
+      <p:nvGrpSpPr>
+        <p:cNvPr id="1" name=""/>
+        <p:cNvGrpSpPr/>
+        <p:nvPr/>
+      </p:nvGrpSpPr>
+      <p:grpSpPr>
+        <a:xfrm>
+          <a:off x="0" y="0"/>
+          <a:ext cx="0" cy="0"/>
+          <a:chOff x="0" y="0"/>
+          <a:chExt cx="0" cy="0"/>
+        </a:xfrm>
+      </p:grpSpPr>
       <p:sp>
         <p:nvSpPr>
           <p:cNvPr id="66" name="Rectangle à coins arrondis 65"/>
@@ -13056,13 +15186,6 @@
               </a:rPr>
               <a:t>Application A</a:t>
             </a:r>
-            <a:endParaRPr lang="fr-FR" sz="1600" b="1" dirty="0" smtClean="0">
-              <a:solidFill>
-                <a:schemeClr val="accent1">
-                  <a:lumMod val="50000"/>
-                </a:schemeClr>
-              </a:solidFill>
-            </a:endParaRPr>
           </a:p>
         </p:txBody>
       </p:sp>
@@ -13143,11 +15266,6 @@
               </a:rPr>
               <a:t>Application B</a:t>
             </a:r>
-            <a:endParaRPr lang="fr-FR" sz="1600" b="1" dirty="0" smtClean="0">
-              <a:solidFill>
-                <a:schemeClr val="accent4"/>
-              </a:solidFill>
-            </a:endParaRPr>
           </a:p>
         </p:txBody>
       </p:sp>
@@ -13228,11 +15346,6 @@
               </a:rPr>
               <a:t>Application C</a:t>
             </a:r>
-            <a:endParaRPr lang="fr-FR" sz="1600" b="1" dirty="0" smtClean="0">
-              <a:solidFill>
-                <a:schemeClr val="accent3"/>
-              </a:solidFill>
-            </a:endParaRPr>
           </a:p>
         </p:txBody>
       </p:sp>
@@ -13516,7 +15629,7 @@
         </p:blipFill>
         <p:spPr>
           <a:xfrm>
-            <a:off x="1733904" y="1272936"/>
+            <a:off x="1733904" y="1282413"/>
             <a:ext cx="346959" cy="346959"/>
           </a:xfrm>
           <a:prstGeom prst="rect">
@@ -13584,92 +15697,19 @@
           </a:prstGeom>
         </p:spPr>
       </p:pic>
-      <p:sp>
-        <p:nvSpPr>
-          <p:cNvPr id="4" name="Connecteur 3"/>
-          <p:cNvSpPr/>
-          <p:nvPr/>
-        </p:nvSpPr>
-        <p:spPr>
-          <a:xfrm>
-            <a:off x="2431096" y="2343444"/>
-            <a:ext cx="215997" cy="214870"/>
-          </a:xfrm>
-          <a:prstGeom prst="flowChartConnector">
-            <a:avLst/>
-          </a:prstGeom>
-          <a:ln w="28575" cmpd="sng">
-            <a:solidFill>
-              <a:schemeClr val="tx2"/>
-            </a:solidFill>
-            <a:headEnd type="none"/>
-            <a:tailEnd type="arrow"/>
-          </a:ln>
-        </p:spPr>
-        <p:style>
-          <a:lnRef idx="2">
-            <a:schemeClr val="accent6"/>
-          </a:lnRef>
-          <a:fillRef idx="1">
-            <a:schemeClr val="lt1"/>
-          </a:fillRef>
-          <a:effectRef idx="0">
-            <a:schemeClr val="accent6"/>
-          </a:effectRef>
-          <a:fontRef idx="minor">
-            <a:schemeClr val="dk1"/>
-          </a:fontRef>
-        </p:style>
-        <p:txBody>
-          <a:bodyPr vert="horz" wrap="square" lIns="91440" tIns="45720" rIns="91440" bIns="45720" numCol="1" rtlCol="0" anchor="ctr" anchorCtr="0" compatLnSpc="1">
-            <a:prstTxWarp prst="textNoShape">
-              <a:avLst/>
-            </a:prstTxWarp>
-          </a:bodyPr>
-          <a:lstStyle/>
-          <a:p>
-            <a:pPr marL="0" marR="0" indent="0" algn="ctr" defTabSz="914400" rtl="0" eaLnBrk="0" fontAlgn="base" latinLnBrk="0" hangingPunct="0">
-              <a:lnSpc>
-                <a:spcPct val="100000"/>
-              </a:lnSpc>
-              <a:spcBef>
-                <a:spcPct val="0"/>
-              </a:spcBef>
-              <a:spcAft>
-                <a:spcPct val="0"/>
-              </a:spcAft>
-              <a:buClrTx/>
-              <a:buSzTx/>
-              <a:buFontTx/>
-              <a:buNone/>
-              <a:tabLst/>
-            </a:pPr>
-            <a:endParaRPr kumimoji="0" lang="fr-FR" sz="1200" b="0" i="0" u="none" strike="noStrike" cap="none" normalizeH="0" baseline="0" dirty="0" smtClean="0">
-              <a:ln>
-                <a:noFill/>
-              </a:ln>
-              <a:solidFill>
-                <a:srgbClr val="00A2D8"/>
-              </a:solidFill>
-              <a:effectLst/>
-              <a:latin typeface="+mn-lt"/>
-            </a:endParaRPr>
-          </a:p>
-        </p:txBody>
-      </p:sp>
       <p:cxnSp>
         <p:nvCxnSpPr>
           <p:cNvPr id="29" name="Connecteur droit avec flèche 28"/>
           <p:cNvCxnSpPr>
-            <a:stCxn id="4" idx="7"/>
-            <a:endCxn id="17" idx="1"/>
+            <a:stCxn id="4" idx="1"/>
+            <a:endCxn id="67" idx="2"/>
           </p:cNvCxnSpPr>
           <p:nvPr/>
         </p:nvCxnSpPr>
         <p:spPr bwMode="auto">
-          <a:xfrm flipV="1">
-            <a:off x="2615461" y="1774845"/>
-            <a:ext cx="450219" cy="600066"/>
+          <a:xfrm flipH="1" flipV="1">
+            <a:off x="2531057" y="1703970"/>
+            <a:ext cx="656256" cy="680264"/>
           </a:xfrm>
           <a:prstGeom prst="straightConnector1">
             <a:avLst/>
@@ -13697,92 +15737,18 @@
           </a:fontRef>
         </p:style>
       </p:cxnSp>
-      <p:sp>
-        <p:nvSpPr>
-          <p:cNvPr id="33" name="Connecteur 32"/>
-          <p:cNvSpPr/>
-          <p:nvPr/>
-        </p:nvSpPr>
-        <p:spPr>
-          <a:xfrm>
-            <a:off x="2431096" y="4180514"/>
-            <a:ext cx="215997" cy="214870"/>
-          </a:xfrm>
-          <a:prstGeom prst="flowChartConnector">
-            <a:avLst/>
-          </a:prstGeom>
-          <a:ln w="28575" cmpd="sng">
-            <a:solidFill>
-              <a:schemeClr val="tx2"/>
-            </a:solidFill>
-            <a:headEnd type="none"/>
-            <a:tailEnd type="arrow"/>
-          </a:ln>
-        </p:spPr>
-        <p:style>
-          <a:lnRef idx="2">
-            <a:schemeClr val="accent6"/>
-          </a:lnRef>
-          <a:fillRef idx="1">
-            <a:schemeClr val="lt1"/>
-          </a:fillRef>
-          <a:effectRef idx="0">
-            <a:schemeClr val="accent6"/>
-          </a:effectRef>
-          <a:fontRef idx="minor">
-            <a:schemeClr val="dk1"/>
-          </a:fontRef>
-        </p:style>
-        <p:txBody>
-          <a:bodyPr vert="horz" wrap="square" lIns="91440" tIns="45720" rIns="91440" bIns="45720" numCol="1" rtlCol="0" anchor="ctr" anchorCtr="0" compatLnSpc="1">
-            <a:prstTxWarp prst="textNoShape">
-              <a:avLst/>
-            </a:prstTxWarp>
-          </a:bodyPr>
-          <a:lstStyle/>
-          <a:p>
-            <a:pPr marL="0" marR="0" indent="0" algn="ctr" defTabSz="914400" rtl="0" eaLnBrk="0" fontAlgn="base" latinLnBrk="0" hangingPunct="0">
-              <a:lnSpc>
-                <a:spcPct val="100000"/>
-              </a:lnSpc>
-              <a:spcBef>
-                <a:spcPct val="0"/>
-              </a:spcBef>
-              <a:spcAft>
-                <a:spcPct val="0"/>
-              </a:spcAft>
-              <a:buClrTx/>
-              <a:buSzTx/>
-              <a:buFontTx/>
-              <a:buNone/>
-              <a:tabLst/>
-            </a:pPr>
-            <a:endParaRPr kumimoji="0" lang="fr-FR" sz="1200" b="0" i="0" u="none" strike="noStrike" cap="none" normalizeH="0" baseline="0" dirty="0" smtClean="0">
-              <a:ln>
-                <a:noFill/>
-              </a:ln>
-              <a:solidFill>
-                <a:srgbClr val="00A2D8"/>
-              </a:solidFill>
-              <a:effectLst/>
-              <a:latin typeface="+mn-lt"/>
-            </a:endParaRPr>
-          </a:p>
-        </p:txBody>
-      </p:sp>
       <p:cxnSp>
         <p:nvCxnSpPr>
           <p:cNvPr id="34" name="Connecteur droit avec flèche 33"/>
           <p:cNvCxnSpPr>
-            <a:stCxn id="33" idx="7"/>
-            <a:endCxn id="51" idx="1"/>
+            <a:stCxn id="33" idx="1"/>
           </p:cNvCxnSpPr>
           <p:nvPr/>
         </p:nvCxnSpPr>
         <p:spPr bwMode="auto">
-          <a:xfrm flipV="1">
-            <a:off x="2615461" y="3620693"/>
-            <a:ext cx="450219" cy="591288"/>
+          <a:xfrm flipH="1" flipV="1">
+            <a:off x="2531058" y="3546159"/>
+            <a:ext cx="656255" cy="665822"/>
           </a:xfrm>
           <a:prstGeom prst="straightConnector1">
             <a:avLst/>
@@ -13815,13 +15781,14 @@
           <p:cNvPr id="37" name="Connecteur droit avec flèche 36"/>
           <p:cNvCxnSpPr>
             <a:stCxn id="51" idx="0"/>
+            <a:endCxn id="17" idx="2"/>
           </p:cNvCxnSpPr>
           <p:nvPr/>
         </p:nvCxnSpPr>
         <p:spPr bwMode="auto">
-          <a:xfrm flipH="1" flipV="1">
-            <a:off x="2531057" y="1703970"/>
-            <a:ext cx="732623" cy="1578131"/>
+          <a:xfrm flipV="1">
+            <a:off x="3263680" y="2113436"/>
+            <a:ext cx="0" cy="1168665"/>
           </a:xfrm>
           <a:prstGeom prst="straightConnector1">
             <a:avLst/>
@@ -14195,14 +16162,6 @@
               </a:rPr>
               <a:t>Version N</a:t>
             </a:r>
-            <a:endParaRPr lang="fr-FR" sz="1600" dirty="0" smtClean="0">
-              <a:solidFill>
-                <a:schemeClr val="tx2">
-                  <a:lumMod val="65000"/>
-                  <a:lumOff val="35000"/>
-                </a:schemeClr>
-              </a:solidFill>
-            </a:endParaRPr>
           </a:p>
         </p:txBody>
       </p:sp>
@@ -14239,14 +16198,6 @@
               </a:rPr>
               <a:t>Version N+1</a:t>
             </a:r>
-            <a:endParaRPr lang="fr-FR" sz="1600" dirty="0" smtClean="0">
-              <a:solidFill>
-                <a:schemeClr val="tx2">
-                  <a:lumMod val="65000"/>
-                  <a:lumOff val="35000"/>
-                </a:schemeClr>
-              </a:solidFill>
-            </a:endParaRPr>
           </a:p>
         </p:txBody>
       </p:sp>
@@ -14283,14 +16234,6 @@
               </a:rPr>
               <a:t>Version N+1</a:t>
             </a:r>
-            <a:endParaRPr lang="fr-FR" sz="1600" dirty="0" smtClean="0">
-              <a:solidFill>
-                <a:schemeClr val="tx2">
-                  <a:lumMod val="65000"/>
-                  <a:lumOff val="35000"/>
-                </a:schemeClr>
-              </a:solidFill>
-            </a:endParaRPr>
           </a:p>
         </p:txBody>
       </p:sp>
@@ -14327,14 +16270,6 @@
               </a:rPr>
               <a:t>Version N+1</a:t>
             </a:r>
-            <a:endParaRPr lang="fr-FR" sz="1600" dirty="0" smtClean="0">
-              <a:solidFill>
-                <a:schemeClr val="tx2">
-                  <a:lumMod val="65000"/>
-                  <a:lumOff val="35000"/>
-                </a:schemeClr>
-              </a:solidFill>
-            </a:endParaRPr>
           </a:p>
         </p:txBody>
       </p:sp>
@@ -14375,14 +16310,6 @@
               </a:rPr>
               <a:t>Version N</a:t>
             </a:r>
-            <a:endParaRPr lang="fr-FR" sz="1600" dirty="0" smtClean="0">
-              <a:solidFill>
-                <a:schemeClr val="tx2">
-                  <a:lumMod val="65000"/>
-                  <a:lumOff val="35000"/>
-                </a:schemeClr>
-              </a:solidFill>
-            </a:endParaRPr>
           </a:p>
         </p:txBody>
       </p:sp>
@@ -14423,14 +16350,6 @@
               </a:rPr>
               <a:t>Version N</a:t>
             </a:r>
-            <a:endParaRPr lang="fr-FR" sz="1600" dirty="0" smtClean="0">
-              <a:solidFill>
-                <a:schemeClr val="tx2">
-                  <a:lumMod val="65000"/>
-                  <a:lumOff val="35000"/>
-                </a:schemeClr>
-              </a:solidFill>
-            </a:endParaRPr>
           </a:p>
         </p:txBody>
       </p:sp>
@@ -14494,6 +16413,152 @@
           </a:prstGeom>
         </p:spPr>
       </p:pic>
+      <p:sp>
+        <p:nvSpPr>
+          <p:cNvPr id="4" name="Connecteur 3"/>
+          <p:cNvSpPr/>
+          <p:nvPr/>
+        </p:nvSpPr>
+        <p:spPr>
+          <a:xfrm>
+            <a:off x="3155681" y="2352767"/>
+            <a:ext cx="215997" cy="214870"/>
+          </a:xfrm>
+          <a:prstGeom prst="flowChartConnector">
+            <a:avLst/>
+          </a:prstGeom>
+          <a:ln w="28575" cmpd="sng">
+            <a:solidFill>
+              <a:schemeClr val="tx2"/>
+            </a:solidFill>
+            <a:headEnd type="none"/>
+            <a:tailEnd type="arrow"/>
+          </a:ln>
+        </p:spPr>
+        <p:style>
+          <a:lnRef idx="2">
+            <a:schemeClr val="accent6"/>
+          </a:lnRef>
+          <a:fillRef idx="1">
+            <a:schemeClr val="lt1"/>
+          </a:fillRef>
+          <a:effectRef idx="0">
+            <a:schemeClr val="accent6"/>
+          </a:effectRef>
+          <a:fontRef idx="minor">
+            <a:schemeClr val="dk1"/>
+          </a:fontRef>
+        </p:style>
+        <p:txBody>
+          <a:bodyPr vert="horz" wrap="square" lIns="91440" tIns="45720" rIns="91440" bIns="45720" numCol="1" rtlCol="0" anchor="ctr" anchorCtr="0" compatLnSpc="1">
+            <a:prstTxWarp prst="textNoShape">
+              <a:avLst/>
+            </a:prstTxWarp>
+          </a:bodyPr>
+          <a:lstStyle/>
+          <a:p>
+            <a:pPr marL="0" marR="0" indent="0" algn="ctr" defTabSz="914400" rtl="0" eaLnBrk="0" fontAlgn="base" latinLnBrk="0" hangingPunct="0">
+              <a:lnSpc>
+                <a:spcPct val="100000"/>
+              </a:lnSpc>
+              <a:spcBef>
+                <a:spcPct val="0"/>
+              </a:spcBef>
+              <a:spcAft>
+                <a:spcPct val="0"/>
+              </a:spcAft>
+              <a:buClrTx/>
+              <a:buSzTx/>
+              <a:buFontTx/>
+              <a:buNone/>
+              <a:tabLst/>
+            </a:pPr>
+            <a:endParaRPr kumimoji="0" lang="fr-FR" sz="1200" b="0" i="0" u="none" strike="noStrike" cap="none" normalizeH="0" baseline="0" dirty="0" smtClean="0">
+              <a:ln>
+                <a:noFill/>
+              </a:ln>
+              <a:solidFill>
+                <a:srgbClr val="00A2D8"/>
+              </a:solidFill>
+              <a:effectLst/>
+              <a:latin typeface="+mn-lt"/>
+            </a:endParaRPr>
+          </a:p>
+        </p:txBody>
+      </p:sp>
+      <p:sp>
+        <p:nvSpPr>
+          <p:cNvPr id="33" name="Connecteur 32"/>
+          <p:cNvSpPr/>
+          <p:nvPr/>
+        </p:nvSpPr>
+        <p:spPr>
+          <a:xfrm>
+            <a:off x="3155681" y="4180514"/>
+            <a:ext cx="215997" cy="214870"/>
+          </a:xfrm>
+          <a:prstGeom prst="flowChartConnector">
+            <a:avLst/>
+          </a:prstGeom>
+          <a:ln w="28575" cmpd="sng">
+            <a:solidFill>
+              <a:schemeClr val="tx2"/>
+            </a:solidFill>
+            <a:headEnd type="none"/>
+            <a:tailEnd type="arrow"/>
+          </a:ln>
+        </p:spPr>
+        <p:style>
+          <a:lnRef idx="2">
+            <a:schemeClr val="accent6"/>
+          </a:lnRef>
+          <a:fillRef idx="1">
+            <a:schemeClr val="lt1"/>
+          </a:fillRef>
+          <a:effectRef idx="0">
+            <a:schemeClr val="accent6"/>
+          </a:effectRef>
+          <a:fontRef idx="minor">
+            <a:schemeClr val="dk1"/>
+          </a:fontRef>
+        </p:style>
+        <p:txBody>
+          <a:bodyPr vert="horz" wrap="square" lIns="91440" tIns="45720" rIns="91440" bIns="45720" numCol="1" rtlCol="0" anchor="ctr" anchorCtr="0" compatLnSpc="1">
+            <a:prstTxWarp prst="textNoShape">
+              <a:avLst/>
+            </a:prstTxWarp>
+          </a:bodyPr>
+          <a:lstStyle/>
+          <a:p>
+            <a:pPr marL="0" marR="0" indent="0" algn="ctr" defTabSz="914400" rtl="0" eaLnBrk="0" fontAlgn="base" latinLnBrk="0" hangingPunct="0">
+              <a:lnSpc>
+                <a:spcPct val="100000"/>
+              </a:lnSpc>
+              <a:spcBef>
+                <a:spcPct val="0"/>
+              </a:spcBef>
+              <a:spcAft>
+                <a:spcPct val="0"/>
+              </a:spcAft>
+              <a:buClrTx/>
+              <a:buSzTx/>
+              <a:buFontTx/>
+              <a:buNone/>
+              <a:tabLst/>
+            </a:pPr>
+            <a:endParaRPr kumimoji="0" lang="fr-FR" sz="1200" b="0" i="0" u="none" strike="noStrike" cap="none" normalizeH="0" baseline="0" dirty="0" smtClean="0">
+              <a:ln>
+                <a:noFill/>
+              </a:ln>
+              <a:solidFill>
+                <a:srgbClr val="00A2D8"/>
+              </a:solidFill>
+              <a:effectLst/>
+              <a:latin typeface="+mn-lt"/>
+            </a:endParaRPr>
+          </a:p>
+        </p:txBody>
+      </p:sp>
     </p:spTree>
     <p:extLst>
       <p:ext uri="{BB962C8B-B14F-4D97-AF65-F5344CB8AC3E}">

--- a/wip/recette_services/illus.pptx
+++ b/wip/recette_services/illus.pptx
@@ -12514,67 +12514,6 @@
           </a:p>
         </p:txBody>
       </p:sp>
-      <p:sp>
-        <p:nvSpPr>
-          <p:cNvPr id="6" name="Cylindre 5"/>
-          <p:cNvSpPr/>
-          <p:nvPr/>
-        </p:nvSpPr>
-        <p:spPr>
-          <a:xfrm>
-            <a:off x="952448" y="776702"/>
-            <a:ext cx="711596" cy="5364599"/>
-          </a:xfrm>
-          <a:prstGeom prst="can">
-            <a:avLst/>
-          </a:prstGeom>
-          <a:solidFill>
-            <a:schemeClr val="accent1">
-              <a:lumMod val="20000"/>
-              <a:lumOff val="80000"/>
-            </a:schemeClr>
-          </a:solidFill>
-          <a:ln>
-            <a:solidFill>
-              <a:schemeClr val="accent1"/>
-            </a:solidFill>
-          </a:ln>
-        </p:spPr>
-        <p:style>
-          <a:lnRef idx="2">
-            <a:schemeClr val="accent6"/>
-          </a:lnRef>
-          <a:fillRef idx="1">
-            <a:schemeClr val="lt1"/>
-          </a:fillRef>
-          <a:effectRef idx="0">
-            <a:schemeClr val="accent6"/>
-          </a:effectRef>
-          <a:fontRef idx="minor">
-            <a:schemeClr val="dk1"/>
-          </a:fontRef>
-        </p:style>
-        <p:txBody>
-          <a:bodyPr vert="vert270" anchor="ctr" anchorCtr="0"/>
-          <a:lstStyle/>
-          <a:p>
-            <a:pPr algn="ctr"/>
-            <a:r>
-              <a:rPr lang="fr-FR" sz="1600" b="1" dirty="0" smtClean="0">
-                <a:solidFill>
-                  <a:schemeClr val="accent1"/>
-                </a:solidFill>
-              </a:rPr>
-              <a:t>Bus de message</a:t>
-            </a:r>
-            <a:endParaRPr lang="fr-FR" sz="1600" b="1" dirty="0">
-              <a:solidFill>
-                <a:schemeClr val="accent1"/>
-              </a:solidFill>
-            </a:endParaRPr>
-          </a:p>
-        </p:txBody>
-      </p:sp>
       <p:cxnSp>
         <p:nvCxnSpPr>
           <p:cNvPr id="8" name="Connecteur droit avec flèche 7"/>
@@ -12655,219 +12594,6 @@
           </a:fontRef>
         </p:style>
       </p:cxnSp>
-      <p:cxnSp>
-        <p:nvCxnSpPr>
-          <p:cNvPr id="95" name="Connecteur droit avec flèche 94"/>
-          <p:cNvCxnSpPr>
-            <a:stCxn id="67" idx="1"/>
-          </p:cNvCxnSpPr>
-          <p:nvPr/>
-        </p:nvCxnSpPr>
-        <p:spPr bwMode="auto">
-          <a:xfrm flipH="1">
-            <a:off x="1664044" y="1616813"/>
-            <a:ext cx="680578" cy="2055"/>
-          </a:xfrm>
-          <a:prstGeom prst="straightConnector1">
-            <a:avLst/>
-          </a:prstGeom>
-          <a:ln w="19050" cmpd="sng">
-            <a:solidFill>
-              <a:schemeClr val="tx2"/>
-            </a:solidFill>
-            <a:headEnd type="arrow"/>
-            <a:tailEnd type="arrow"/>
-          </a:ln>
-        </p:spPr>
-        <p:style>
-          <a:lnRef idx="2">
-            <a:schemeClr val="accent6"/>
-          </a:lnRef>
-          <a:fillRef idx="1">
-            <a:schemeClr val="lt1"/>
-          </a:fillRef>
-          <a:effectRef idx="0">
-            <a:schemeClr val="accent6"/>
-          </a:effectRef>
-          <a:fontRef idx="minor">
-            <a:schemeClr val="dk1"/>
-          </a:fontRef>
-        </p:style>
-      </p:cxnSp>
-      <p:cxnSp>
-        <p:nvCxnSpPr>
-          <p:cNvPr id="98" name="Connecteur droit avec flèche 97"/>
-          <p:cNvCxnSpPr>
-            <a:stCxn id="76" idx="1"/>
-            <a:endCxn id="6" idx="4"/>
-          </p:cNvCxnSpPr>
-          <p:nvPr/>
-        </p:nvCxnSpPr>
-        <p:spPr bwMode="auto">
-          <a:xfrm flipH="1">
-            <a:off x="1664044" y="3459002"/>
-            <a:ext cx="680578" cy="0"/>
-          </a:xfrm>
-          <a:prstGeom prst="straightConnector1">
-            <a:avLst/>
-          </a:prstGeom>
-          <a:ln w="19050" cmpd="sng">
-            <a:solidFill>
-              <a:schemeClr val="tx2"/>
-            </a:solidFill>
-            <a:headEnd type="arrow"/>
-            <a:tailEnd type="arrow"/>
-          </a:ln>
-        </p:spPr>
-        <p:style>
-          <a:lnRef idx="2">
-            <a:schemeClr val="accent6"/>
-          </a:lnRef>
-          <a:fillRef idx="1">
-            <a:schemeClr val="lt1"/>
-          </a:fillRef>
-          <a:effectRef idx="0">
-            <a:schemeClr val="accent6"/>
-          </a:effectRef>
-          <a:fontRef idx="minor">
-            <a:schemeClr val="dk1"/>
-          </a:fontRef>
-        </p:style>
-      </p:cxnSp>
-      <p:cxnSp>
-        <p:nvCxnSpPr>
-          <p:cNvPr id="101" name="Connecteur droit avec flèche 100"/>
-          <p:cNvCxnSpPr>
-            <a:stCxn id="81" idx="1"/>
-          </p:cNvCxnSpPr>
-          <p:nvPr/>
-        </p:nvCxnSpPr>
-        <p:spPr bwMode="auto">
-          <a:xfrm flipH="1">
-            <a:off x="1664044" y="5301190"/>
-            <a:ext cx="680578" cy="0"/>
-          </a:xfrm>
-          <a:prstGeom prst="straightConnector1">
-            <a:avLst/>
-          </a:prstGeom>
-          <a:ln w="28575" cmpd="sng">
-            <a:solidFill>
-              <a:schemeClr val="tx2"/>
-            </a:solidFill>
-            <a:headEnd type="arrow"/>
-            <a:tailEnd type="arrow"/>
-          </a:ln>
-        </p:spPr>
-        <p:style>
-          <a:lnRef idx="2">
-            <a:schemeClr val="accent6"/>
-          </a:lnRef>
-          <a:fillRef idx="1">
-            <a:schemeClr val="lt1"/>
-          </a:fillRef>
-          <a:effectRef idx="0">
-            <a:schemeClr val="accent6"/>
-          </a:effectRef>
-          <a:fontRef idx="minor">
-            <a:schemeClr val="dk1"/>
-          </a:fontRef>
-        </p:style>
-      </p:cxnSp>
-      <p:pic>
-        <p:nvPicPr>
-          <p:cNvPr id="106" name="Image 105" descr="20061.png"/>
-          <p:cNvPicPr>
-            <a:picLocks noChangeAspect="1"/>
-          </p:cNvPicPr>
-          <p:nvPr/>
-        </p:nvPicPr>
-        <p:blipFill>
-          <a:blip r:embed="rId3">
-            <a:extLst>
-              <a:ext uri="{28A0092B-C50C-407E-A947-70E740481C1C}">
-                <a14:useLocalDpi xmlns:a14="http://schemas.microsoft.com/office/drawing/2010/main" val="0"/>
-              </a:ext>
-            </a:extLst>
-          </a:blip>
-          <a:stretch>
-            <a:fillRect/>
-          </a:stretch>
-        </p:blipFill>
-        <p:spPr>
-          <a:xfrm>
-            <a:off x="1733904" y="1618868"/>
-            <a:ext cx="346959" cy="346959"/>
-          </a:xfrm>
-          <a:prstGeom prst="rect">
-            <a:avLst/>
-          </a:prstGeom>
-        </p:spPr>
-      </p:pic>
-      <p:pic>
-        <p:nvPicPr>
-          <p:cNvPr id="109" name="Image 108" descr="20061.png"/>
-          <p:cNvPicPr>
-            <a:picLocks noChangeAspect="1"/>
-          </p:cNvPicPr>
-          <p:nvPr/>
-        </p:nvPicPr>
-        <p:blipFill>
-          <a:blip r:embed="rId3">
-            <a:extLst>
-              <a:ext uri="{28A0092B-C50C-407E-A947-70E740481C1C}">
-                <a14:useLocalDpi xmlns:a14="http://schemas.microsoft.com/office/drawing/2010/main" val="0"/>
-              </a:ext>
-            </a:extLst>
-          </a:blip>
-          <a:stretch>
-            <a:fillRect/>
-          </a:stretch>
-        </p:blipFill>
-        <p:spPr>
-          <a:xfrm>
-            <a:off x="1733904" y="3489882"/>
-            <a:ext cx="346959" cy="346959"/>
-          </a:xfrm>
-          <a:prstGeom prst="rect">
-            <a:avLst/>
-          </a:prstGeom>
-        </p:spPr>
-      </p:pic>
-      <p:pic>
-        <p:nvPicPr>
-          <p:cNvPr id="110" name="Image 109" descr="20061.png"/>
-          <p:cNvPicPr>
-            <a:picLocks noChangeAspect="1"/>
-          </p:cNvPicPr>
-          <p:nvPr/>
-        </p:nvPicPr>
-        <p:blipFill>
-          <a:blip r:embed="rId3">
-            <a:extLst>
-              <a:ext uri="{28A0092B-C50C-407E-A947-70E740481C1C}">
-                <a14:useLocalDpi xmlns:a14="http://schemas.microsoft.com/office/drawing/2010/main" val="0"/>
-              </a:ext>
-            </a:extLst>
-          </a:blip>
-          <a:stretch>
-            <a:fillRect/>
-          </a:stretch>
-        </p:blipFill>
-        <p:spPr>
-          <a:xfrm>
-            <a:off x="1733904" y="5301190"/>
-            <a:ext cx="346959" cy="346959"/>
-          </a:xfrm>
-          <a:prstGeom prst="rect">
-            <a:avLst/>
-          </a:prstGeom>
-          <a:ln w="19050" cmpd="sng">
-            <a:solidFill>
-              <a:schemeClr val="tx1"/>
-            </a:solidFill>
-          </a:ln>
-        </p:spPr>
-      </p:pic>
     </p:spTree>
     <p:extLst>
       <p:ext uri="{BB962C8B-B14F-4D97-AF65-F5344CB8AC3E}">
@@ -15349,67 +15075,6 @@
           </a:p>
         </p:txBody>
       </p:sp>
-      <p:sp>
-        <p:nvSpPr>
-          <p:cNvPr id="6" name="Cylindre 5"/>
-          <p:cNvSpPr/>
-          <p:nvPr/>
-        </p:nvSpPr>
-        <p:spPr>
-          <a:xfrm>
-            <a:off x="952448" y="776702"/>
-            <a:ext cx="711596" cy="5364599"/>
-          </a:xfrm>
-          <a:prstGeom prst="can">
-            <a:avLst/>
-          </a:prstGeom>
-          <a:solidFill>
-            <a:schemeClr val="accent1">
-              <a:lumMod val="20000"/>
-              <a:lumOff val="80000"/>
-            </a:schemeClr>
-          </a:solidFill>
-          <a:ln>
-            <a:solidFill>
-              <a:schemeClr val="accent1"/>
-            </a:solidFill>
-          </a:ln>
-        </p:spPr>
-        <p:style>
-          <a:lnRef idx="2">
-            <a:schemeClr val="accent6"/>
-          </a:lnRef>
-          <a:fillRef idx="1">
-            <a:schemeClr val="lt1"/>
-          </a:fillRef>
-          <a:effectRef idx="0">
-            <a:schemeClr val="accent6"/>
-          </a:effectRef>
-          <a:fontRef idx="minor">
-            <a:schemeClr val="dk1"/>
-          </a:fontRef>
-        </p:style>
-        <p:txBody>
-          <a:bodyPr vert="vert270" anchor="ctr" anchorCtr="0"/>
-          <a:lstStyle/>
-          <a:p>
-            <a:pPr algn="ctr"/>
-            <a:r>
-              <a:rPr lang="fr-FR" sz="1600" b="1" dirty="0" smtClean="0">
-                <a:solidFill>
-                  <a:schemeClr val="accent1"/>
-                </a:solidFill>
-              </a:rPr>
-              <a:t>Bus de message</a:t>
-            </a:r>
-            <a:endParaRPr lang="fr-FR" sz="1600" b="1" dirty="0">
-              <a:solidFill>
-                <a:schemeClr val="accent1"/>
-              </a:solidFill>
-            </a:endParaRPr>
-          </a:p>
-        </p:txBody>
-      </p:sp>
       <p:cxnSp>
         <p:nvCxnSpPr>
           <p:cNvPr id="8" name="Connecteur droit avec flèche 7"/>
@@ -15492,213 +15157,6 @@
       </p:cxnSp>
       <p:cxnSp>
         <p:nvCxnSpPr>
-          <p:cNvPr id="95" name="Connecteur droit avec flèche 94"/>
-          <p:cNvCxnSpPr>
-            <a:stCxn id="67" idx="1"/>
-          </p:cNvCxnSpPr>
-          <p:nvPr/>
-        </p:nvCxnSpPr>
-        <p:spPr bwMode="auto">
-          <a:xfrm flipH="1">
-            <a:off x="1664044" y="1310241"/>
-            <a:ext cx="680578" cy="2055"/>
-          </a:xfrm>
-          <a:prstGeom prst="straightConnector1">
-            <a:avLst/>
-          </a:prstGeom>
-          <a:ln w="19050" cmpd="sng">
-            <a:solidFill>
-              <a:schemeClr val="tx2"/>
-            </a:solidFill>
-            <a:headEnd type="arrow"/>
-            <a:tailEnd type="arrow"/>
-          </a:ln>
-        </p:spPr>
-        <p:style>
-          <a:lnRef idx="2">
-            <a:schemeClr val="accent6"/>
-          </a:lnRef>
-          <a:fillRef idx="1">
-            <a:schemeClr val="lt1"/>
-          </a:fillRef>
-          <a:effectRef idx="0">
-            <a:schemeClr val="accent6"/>
-          </a:effectRef>
-          <a:fontRef idx="minor">
-            <a:schemeClr val="dk1"/>
-          </a:fontRef>
-        </p:style>
-      </p:cxnSp>
-      <p:cxnSp>
-        <p:nvCxnSpPr>
-          <p:cNvPr id="98" name="Connecteur droit avec flèche 97"/>
-          <p:cNvCxnSpPr>
-            <a:stCxn id="76" idx="1"/>
-          </p:cNvCxnSpPr>
-          <p:nvPr/>
-        </p:nvCxnSpPr>
-        <p:spPr bwMode="auto">
-          <a:xfrm flipH="1">
-            <a:off x="1664044" y="3152430"/>
-            <a:ext cx="680578" cy="0"/>
-          </a:xfrm>
-          <a:prstGeom prst="straightConnector1">
-            <a:avLst/>
-          </a:prstGeom>
-          <a:ln w="19050" cmpd="sng">
-            <a:solidFill>
-              <a:schemeClr val="tx2"/>
-            </a:solidFill>
-            <a:headEnd type="arrow"/>
-            <a:tailEnd type="arrow"/>
-          </a:ln>
-        </p:spPr>
-        <p:style>
-          <a:lnRef idx="2">
-            <a:schemeClr val="accent6"/>
-          </a:lnRef>
-          <a:fillRef idx="1">
-            <a:schemeClr val="lt1"/>
-          </a:fillRef>
-          <a:effectRef idx="0">
-            <a:schemeClr val="accent6"/>
-          </a:effectRef>
-          <a:fontRef idx="minor">
-            <a:schemeClr val="dk1"/>
-          </a:fontRef>
-        </p:style>
-      </p:cxnSp>
-      <p:cxnSp>
-        <p:nvCxnSpPr>
-          <p:cNvPr id="101" name="Connecteur droit avec flèche 100"/>
-          <p:cNvCxnSpPr>
-            <a:stCxn id="81" idx="1"/>
-          </p:cNvCxnSpPr>
-          <p:nvPr/>
-        </p:nvCxnSpPr>
-        <p:spPr bwMode="auto">
-          <a:xfrm flipH="1">
-            <a:off x="1664044" y="4994618"/>
-            <a:ext cx="680578" cy="0"/>
-          </a:xfrm>
-          <a:prstGeom prst="straightConnector1">
-            <a:avLst/>
-          </a:prstGeom>
-          <a:ln w="19050" cmpd="sng">
-            <a:solidFill>
-              <a:schemeClr val="tx2"/>
-            </a:solidFill>
-            <a:headEnd type="arrow"/>
-            <a:tailEnd type="arrow"/>
-          </a:ln>
-        </p:spPr>
-        <p:style>
-          <a:lnRef idx="2">
-            <a:schemeClr val="accent6"/>
-          </a:lnRef>
-          <a:fillRef idx="1">
-            <a:schemeClr val="lt1"/>
-          </a:fillRef>
-          <a:effectRef idx="0">
-            <a:schemeClr val="accent6"/>
-          </a:effectRef>
-          <a:fontRef idx="minor">
-            <a:schemeClr val="dk1"/>
-          </a:fontRef>
-        </p:style>
-      </p:cxnSp>
-      <p:pic>
-        <p:nvPicPr>
-          <p:cNvPr id="106" name="Image 105" descr="20061.png"/>
-          <p:cNvPicPr>
-            <a:picLocks noChangeAspect="1"/>
-          </p:cNvPicPr>
-          <p:nvPr/>
-        </p:nvPicPr>
-        <p:blipFill>
-          <a:blip r:embed="rId3">
-            <a:extLst>
-              <a:ext uri="{28A0092B-C50C-407E-A947-70E740481C1C}">
-                <a14:useLocalDpi xmlns:a14="http://schemas.microsoft.com/office/drawing/2010/main" val="0"/>
-              </a:ext>
-            </a:extLst>
-          </a:blip>
-          <a:stretch>
-            <a:fillRect/>
-          </a:stretch>
-        </p:blipFill>
-        <p:spPr>
-          <a:xfrm>
-            <a:off x="1733904" y="1282413"/>
-            <a:ext cx="346959" cy="346959"/>
-          </a:xfrm>
-          <a:prstGeom prst="rect">
-            <a:avLst/>
-          </a:prstGeom>
-        </p:spPr>
-      </p:pic>
-      <p:pic>
-        <p:nvPicPr>
-          <p:cNvPr id="109" name="Image 108" descr="20061.png"/>
-          <p:cNvPicPr>
-            <a:picLocks noChangeAspect="1"/>
-          </p:cNvPicPr>
-          <p:nvPr/>
-        </p:nvPicPr>
-        <p:blipFill>
-          <a:blip r:embed="rId3">
-            <a:extLst>
-              <a:ext uri="{28A0092B-C50C-407E-A947-70E740481C1C}">
-                <a14:useLocalDpi xmlns:a14="http://schemas.microsoft.com/office/drawing/2010/main" val="0"/>
-              </a:ext>
-            </a:extLst>
-          </a:blip>
-          <a:stretch>
-            <a:fillRect/>
-          </a:stretch>
-        </p:blipFill>
-        <p:spPr>
-          <a:xfrm>
-            <a:off x="1733904" y="3141481"/>
-            <a:ext cx="346959" cy="346959"/>
-          </a:xfrm>
-          <a:prstGeom prst="rect">
-            <a:avLst/>
-          </a:prstGeom>
-        </p:spPr>
-      </p:pic>
-      <p:pic>
-        <p:nvPicPr>
-          <p:cNvPr id="110" name="Image 109" descr="20061.png"/>
-          <p:cNvPicPr>
-            <a:picLocks noChangeAspect="1"/>
-          </p:cNvPicPr>
-          <p:nvPr/>
-        </p:nvPicPr>
-        <p:blipFill>
-          <a:blip r:embed="rId3">
-            <a:extLst>
-              <a:ext uri="{28A0092B-C50C-407E-A947-70E740481C1C}">
-                <a14:useLocalDpi xmlns:a14="http://schemas.microsoft.com/office/drawing/2010/main" val="0"/>
-              </a:ext>
-            </a:extLst>
-          </a:blip>
-          <a:stretch>
-            <a:fillRect/>
-          </a:stretch>
-        </p:blipFill>
-        <p:spPr>
-          <a:xfrm>
-            <a:off x="1733904" y="4994618"/>
-            <a:ext cx="346959" cy="346959"/>
-          </a:xfrm>
-          <a:prstGeom prst="rect">
-            <a:avLst/>
-          </a:prstGeom>
-        </p:spPr>
-      </p:pic>
-      <p:cxnSp>
-        <p:nvCxnSpPr>
           <p:cNvPr id="29" name="Connecteur droit avec flèche 28"/>
           <p:cNvCxnSpPr>
             <a:stCxn id="4" idx="1"/>
@@ -15856,207 +15314,6 @@
           </a:fontRef>
         </p:style>
       </p:cxnSp>
-      <p:cxnSp>
-        <p:nvCxnSpPr>
-          <p:cNvPr id="43" name="Connecteur droit avec flèche 42"/>
-          <p:cNvCxnSpPr/>
-          <p:nvPr/>
-        </p:nvCxnSpPr>
-        <p:spPr bwMode="auto">
-          <a:xfrm flipH="1">
-            <a:off x="1664044" y="2050987"/>
-            <a:ext cx="1413202" cy="0"/>
-          </a:xfrm>
-          <a:prstGeom prst="straightConnector1">
-            <a:avLst/>
-          </a:prstGeom>
-          <a:ln w="19050" cmpd="sng">
-            <a:solidFill>
-              <a:schemeClr val="tx2"/>
-            </a:solidFill>
-            <a:headEnd type="arrow"/>
-            <a:tailEnd type="arrow"/>
-          </a:ln>
-        </p:spPr>
-        <p:style>
-          <a:lnRef idx="2">
-            <a:schemeClr val="accent6"/>
-          </a:lnRef>
-          <a:fillRef idx="1">
-            <a:schemeClr val="lt1"/>
-          </a:fillRef>
-          <a:effectRef idx="0">
-            <a:schemeClr val="accent6"/>
-          </a:effectRef>
-          <a:fontRef idx="minor">
-            <a:schemeClr val="dk1"/>
-          </a:fontRef>
-        </p:style>
-      </p:cxnSp>
-      <p:cxnSp>
-        <p:nvCxnSpPr>
-          <p:cNvPr id="45" name="Connecteur droit avec flèche 44"/>
-          <p:cNvCxnSpPr/>
-          <p:nvPr/>
-        </p:nvCxnSpPr>
-        <p:spPr bwMode="auto">
-          <a:xfrm flipH="1">
-            <a:off x="1664044" y="3900436"/>
-            <a:ext cx="1413202" cy="0"/>
-          </a:xfrm>
-          <a:prstGeom prst="straightConnector1">
-            <a:avLst/>
-          </a:prstGeom>
-          <a:ln w="19050" cmpd="sng">
-            <a:solidFill>
-              <a:schemeClr val="tx2"/>
-            </a:solidFill>
-            <a:headEnd type="arrow"/>
-            <a:tailEnd type="arrow"/>
-          </a:ln>
-        </p:spPr>
-        <p:style>
-          <a:lnRef idx="2">
-            <a:schemeClr val="accent6"/>
-          </a:lnRef>
-          <a:fillRef idx="1">
-            <a:schemeClr val="lt1"/>
-          </a:fillRef>
-          <a:effectRef idx="0">
-            <a:schemeClr val="accent6"/>
-          </a:effectRef>
-          <a:fontRef idx="minor">
-            <a:schemeClr val="dk1"/>
-          </a:fontRef>
-        </p:style>
-      </p:cxnSp>
-      <p:cxnSp>
-        <p:nvCxnSpPr>
-          <p:cNvPr id="46" name="Connecteur droit avec flèche 45"/>
-          <p:cNvCxnSpPr/>
-          <p:nvPr/>
-        </p:nvCxnSpPr>
-        <p:spPr bwMode="auto">
-          <a:xfrm flipH="1">
-            <a:off x="1664044" y="5739822"/>
-            <a:ext cx="1413202" cy="0"/>
-          </a:xfrm>
-          <a:prstGeom prst="straightConnector1">
-            <a:avLst/>
-          </a:prstGeom>
-          <a:ln w="19050" cmpd="sng">
-            <a:solidFill>
-              <a:schemeClr val="tx2"/>
-            </a:solidFill>
-            <a:headEnd type="arrow"/>
-            <a:tailEnd type="arrow"/>
-          </a:ln>
-        </p:spPr>
-        <p:style>
-          <a:lnRef idx="2">
-            <a:schemeClr val="accent6"/>
-          </a:lnRef>
-          <a:fillRef idx="1">
-            <a:schemeClr val="lt1"/>
-          </a:fillRef>
-          <a:effectRef idx="0">
-            <a:schemeClr val="accent6"/>
-          </a:effectRef>
-          <a:fontRef idx="minor">
-            <a:schemeClr val="dk1"/>
-          </a:fontRef>
-        </p:style>
-      </p:cxnSp>
-      <p:pic>
-        <p:nvPicPr>
-          <p:cNvPr id="47" name="Image 46" descr="20061.png"/>
-          <p:cNvPicPr>
-            <a:picLocks noChangeAspect="1"/>
-          </p:cNvPicPr>
-          <p:nvPr/>
-        </p:nvPicPr>
-        <p:blipFill>
-          <a:blip r:embed="rId3">
-            <a:extLst>
-              <a:ext uri="{28A0092B-C50C-407E-A947-70E740481C1C}">
-                <a14:useLocalDpi xmlns:a14="http://schemas.microsoft.com/office/drawing/2010/main" val="0"/>
-              </a:ext>
-            </a:extLst>
-          </a:blip>
-          <a:stretch>
-            <a:fillRect/>
-          </a:stretch>
-        </p:blipFill>
-        <p:spPr>
-          <a:xfrm>
-            <a:off x="1733904" y="2040038"/>
-            <a:ext cx="346959" cy="346959"/>
-          </a:xfrm>
-          <a:prstGeom prst="rect">
-            <a:avLst/>
-          </a:prstGeom>
-        </p:spPr>
-      </p:pic>
-      <p:pic>
-        <p:nvPicPr>
-          <p:cNvPr id="48" name="Image 47" descr="20061.png"/>
-          <p:cNvPicPr>
-            <a:picLocks noChangeAspect="1"/>
-          </p:cNvPicPr>
-          <p:nvPr/>
-        </p:nvPicPr>
-        <p:blipFill>
-          <a:blip r:embed="rId3">
-            <a:extLst>
-              <a:ext uri="{28A0092B-C50C-407E-A947-70E740481C1C}">
-                <a14:useLocalDpi xmlns:a14="http://schemas.microsoft.com/office/drawing/2010/main" val="0"/>
-              </a:ext>
-            </a:extLst>
-          </a:blip>
-          <a:stretch>
-            <a:fillRect/>
-          </a:stretch>
-        </p:blipFill>
-        <p:spPr>
-          <a:xfrm>
-            <a:off x="1733904" y="3880765"/>
-            <a:ext cx="346959" cy="346959"/>
-          </a:xfrm>
-          <a:prstGeom prst="rect">
-            <a:avLst/>
-          </a:prstGeom>
-        </p:spPr>
-      </p:pic>
-      <p:pic>
-        <p:nvPicPr>
-          <p:cNvPr id="49" name="Image 48" descr="20061.png"/>
-          <p:cNvPicPr>
-            <a:picLocks noChangeAspect="1"/>
-          </p:cNvPicPr>
-          <p:nvPr/>
-        </p:nvPicPr>
-        <p:blipFill>
-          <a:blip r:embed="rId3">
-            <a:extLst>
-              <a:ext uri="{28A0092B-C50C-407E-A947-70E740481C1C}">
-                <a14:useLocalDpi xmlns:a14="http://schemas.microsoft.com/office/drawing/2010/main" val="0"/>
-              </a:ext>
-            </a:extLst>
-          </a:blip>
-          <a:stretch>
-            <a:fillRect/>
-          </a:stretch>
-        </p:blipFill>
-        <p:spPr>
-          <a:xfrm>
-            <a:off x="1733904" y="5712356"/>
-            <a:ext cx="346959" cy="346959"/>
-          </a:xfrm>
-          <a:prstGeom prst="rect">
-            <a:avLst/>
-          </a:prstGeom>
-        </p:spPr>
-      </p:pic>
       <p:pic>
         <p:nvPicPr>
           <p:cNvPr id="17" name="Image 16"/>
@@ -16066,7 +15323,7 @@
           <p:nvPr/>
         </p:nvPicPr>
         <p:blipFill>
-          <a:blip r:embed="rId4"/>
+          <a:blip r:embed="rId3"/>
           <a:stretch>
             <a:fillRect/>
           </a:stretch>
@@ -16090,7 +15347,7 @@
           <p:nvPr/>
         </p:nvPicPr>
         <p:blipFill>
-          <a:blip r:embed="rId4"/>
+          <a:blip r:embed="rId3"/>
           <a:stretch>
             <a:fillRect/>
           </a:stretch>
@@ -16114,7 +15371,7 @@
           <p:nvPr/>
         </p:nvPicPr>
         <p:blipFill>
-          <a:blip r:embed="rId4"/>
+          <a:blip r:embed="rId3"/>
           <a:stretch>
             <a:fillRect/>
           </a:stretch>
